--- a/djlee/CSharp/참고ppt/lotto/로또 번호 추천 프로그램/로또 번호 추천 프로그램 - 양화영.pptx
+++ b/djlee/CSharp/참고ppt/lotto/로또 번호 추천 프로그램/로또 번호 추천 프로그램 - 양화영.pptx
@@ -294,7 +294,7 @@
                 </a:solidFill>
               </a:rPr>
               <a:pPr/>
-              <a:t>2021-05-17</a:t>
+              <a:t>2022-06-10</a:t>
             </a:fld>
             <a:endParaRPr lang="ko-KR" altLang="en-US">
               <a:solidFill>
@@ -524,7 +524,7 @@
                 </a:solidFill>
               </a:rPr>
               <a:pPr/>
-              <a:t>2021-05-17</a:t>
+              <a:t>2022-06-10</a:t>
             </a:fld>
             <a:endParaRPr lang="ko-KR" altLang="en-US">
               <a:solidFill>
@@ -764,7 +764,7 @@
                 </a:solidFill>
               </a:rPr>
               <a:pPr/>
-              <a:t>2021-05-17</a:t>
+              <a:t>2022-06-10</a:t>
             </a:fld>
             <a:endParaRPr lang="ko-KR" altLang="en-US">
               <a:solidFill>
@@ -994,7 +994,7 @@
                 </a:solidFill>
               </a:rPr>
               <a:pPr/>
-              <a:t>2021-05-17</a:t>
+              <a:t>2022-06-10</a:t>
             </a:fld>
             <a:endParaRPr lang="ko-KR" altLang="en-US">
               <a:solidFill>
@@ -1301,7 +1301,7 @@
                 </a:solidFill>
               </a:rPr>
               <a:pPr/>
-              <a:t>2021-05-17</a:t>
+              <a:t>2022-06-10</a:t>
             </a:fld>
             <a:endParaRPr lang="ko-KR" altLang="en-US">
               <a:solidFill>
@@ -1598,7 +1598,7 @@
                 </a:solidFill>
               </a:rPr>
               <a:pPr/>
-              <a:t>2021-05-17</a:t>
+              <a:t>2022-06-10</a:t>
             </a:fld>
             <a:endParaRPr lang="ko-KR" altLang="en-US">
               <a:solidFill>
@@ -2042,7 +2042,7 @@
                 </a:solidFill>
               </a:rPr>
               <a:pPr/>
-              <a:t>2021-05-17</a:t>
+              <a:t>2022-06-10</a:t>
             </a:fld>
             <a:endParaRPr lang="ko-KR" altLang="en-US">
               <a:solidFill>
@@ -2215,7 +2215,7 @@
                 </a:solidFill>
               </a:rPr>
               <a:pPr/>
-              <a:t>2021-05-17</a:t>
+              <a:t>2022-06-10</a:t>
             </a:fld>
             <a:endParaRPr lang="ko-KR" altLang="en-US">
               <a:solidFill>
@@ -2360,7 +2360,7 @@
                 </a:solidFill>
               </a:rPr>
               <a:pPr/>
-              <a:t>2021-05-17</a:t>
+              <a:t>2022-06-10</a:t>
             </a:fld>
             <a:endParaRPr lang="ko-KR" altLang="en-US">
               <a:solidFill>
@@ -2703,7 +2703,7 @@
                 </a:solidFill>
               </a:rPr>
               <a:pPr/>
-              <a:t>2021-05-17</a:t>
+              <a:t>2022-06-10</a:t>
             </a:fld>
             <a:endParaRPr lang="ko-KR" altLang="en-US">
               <a:solidFill>
@@ -3023,7 +3023,7 @@
                 </a:solidFill>
               </a:rPr>
               <a:pPr/>
-              <a:t>2021-05-17</a:t>
+              <a:t>2022-06-10</a:t>
             </a:fld>
             <a:endParaRPr lang="ko-KR" altLang="en-US">
               <a:solidFill>
@@ -3296,7 +3296,7 @@
                 </a:solidFill>
               </a:rPr>
               <a:pPr/>
-              <a:t>2021-05-17</a:t>
+              <a:t>2022-06-10</a:t>
             </a:fld>
             <a:endParaRPr lang="ko-KR" altLang="en-US">
               <a:solidFill>
@@ -3903,41 +3903,12 @@
               <a:defRPr/>
             </a:pPr>
             <a:r>
-              <a:rPr lang="ko-KR" altLang="en-US" sz="2800" b="1" i="1" kern="0" dirty="0" smtClean="0">
+              <a:rPr lang="ko-KR" altLang="en-US" sz="2800" b="1" i="1" kern="0" dirty="0">
                 <a:solidFill>
                   <a:srgbClr val="5B6176"/>
                 </a:solidFill>
               </a:rPr>
               <a:t>로또 번호 추천</a:t>
-            </a:r>
-            <a:endParaRPr lang="en-US" altLang="ko-KR" sz="2800" b="1" i="1" kern="0" dirty="0" smtClean="0">
-              <a:solidFill>
-                <a:srgbClr val="5B6176"/>
-              </a:solidFill>
-            </a:endParaRPr>
-          </a:p>
-          <a:p>
-            <a:pPr algn="ctr" latinLnBrk="0">
-              <a:lnSpc>
-                <a:spcPct val="150000"/>
-              </a:lnSpc>
-              <a:defRPr/>
-            </a:pPr>
-            <a:r>
-              <a:rPr lang="ko-KR" altLang="en-US" sz="2800" b="1" i="1" kern="0" dirty="0" smtClean="0">
-                <a:solidFill>
-                  <a:srgbClr val="5B6176"/>
-                </a:solidFill>
-              </a:rPr>
-              <a:t>프로그램</a:t>
-            </a:r>
-            <a:r>
-              <a:rPr lang="en-US" altLang="ko-KR" sz="2800" b="1" i="1" kern="0" dirty="0" smtClean="0">
-                <a:solidFill>
-                  <a:srgbClr val="5B6176"/>
-                </a:solidFill>
-              </a:rPr>
-              <a:t> </a:t>
             </a:r>
             <a:endParaRPr lang="en-US" altLang="ko-KR" sz="2800" b="1" i="1" kern="0" dirty="0">
               <a:solidFill>
@@ -3953,7 +3924,31 @@
               <a:defRPr/>
             </a:pPr>
             <a:r>
-              <a:rPr lang="ko-KR" altLang="en-US" sz="900" i="1" kern="0" dirty="0" smtClean="0">
+              <a:rPr lang="ko-KR" altLang="en-US" sz="2800" b="1" i="1" kern="0" dirty="0">
+                <a:solidFill>
+                  <a:srgbClr val="5B6176"/>
+                </a:solidFill>
+              </a:rPr>
+              <a:t>프로그램</a:t>
+            </a:r>
+            <a:r>
+              <a:rPr lang="en-US" altLang="ko-KR" sz="2800" b="1" i="1" kern="0" dirty="0">
+                <a:solidFill>
+                  <a:srgbClr val="5B6176"/>
+                </a:solidFill>
+              </a:rPr>
+              <a:t> </a:t>
+            </a:r>
+          </a:p>
+          <a:p>
+            <a:pPr algn="ctr" latinLnBrk="0">
+              <a:lnSpc>
+                <a:spcPct val="150000"/>
+              </a:lnSpc>
+              <a:defRPr/>
+            </a:pPr>
+            <a:r>
+              <a:rPr lang="ko-KR" altLang="en-US" sz="900" i="1" kern="0" dirty="0">
                 <a:solidFill>
                   <a:srgbClr val="5B6176"/>
                 </a:solidFill>
@@ -4015,7 +4010,7 @@
               <a:defRPr/>
             </a:pPr>
             <a:r>
-              <a:rPr lang="ko-KR" altLang="en-US" sz="1200" b="1" kern="0" dirty="0" smtClean="0">
+              <a:rPr lang="ko-KR" altLang="en-US" sz="1200" b="1" kern="0" dirty="0">
                 <a:solidFill>
                   <a:srgbClr val="5B6176"/>
                 </a:solidFill>
@@ -4023,7 +4018,7 @@
               <a:t>통합 응용 </a:t>
             </a:r>
             <a:r>
-              <a:rPr lang="en-US" altLang="ko-KR" sz="1200" b="1" kern="0" dirty="0" smtClean="0">
+              <a:rPr lang="en-US" altLang="ko-KR" sz="1200" b="1" kern="0" dirty="0">
                 <a:solidFill>
                   <a:srgbClr val="5B6176"/>
                 </a:solidFill>
@@ -4031,7 +4026,7 @@
               <a:t>SW </a:t>
             </a:r>
             <a:r>
-              <a:rPr lang="ko-KR" altLang="en-US" sz="1200" b="1" kern="0" dirty="0" smtClean="0">
+              <a:rPr lang="ko-KR" altLang="en-US" sz="1200" b="1" kern="0" dirty="0">
                 <a:solidFill>
                   <a:srgbClr val="5B6176"/>
                 </a:solidFill>
@@ -4039,7 +4034,7 @@
               <a:t>개발자</a:t>
             </a:r>
             <a:r>
-              <a:rPr lang="en-US" altLang="ko-KR" sz="1200" b="1" kern="0" dirty="0" smtClean="0">
+              <a:rPr lang="en-US" altLang="ko-KR" sz="1200" b="1" kern="0" dirty="0">
                 <a:solidFill>
                   <a:srgbClr val="5B6176"/>
                 </a:solidFill>
@@ -4047,7 +4042,7 @@
               <a:t>(C#, JAVA)</a:t>
             </a:r>
             <a:r>
-              <a:rPr lang="ko-KR" altLang="en-US" sz="1200" b="1" kern="0" dirty="0" smtClean="0">
+              <a:rPr lang="ko-KR" altLang="en-US" sz="1200" b="1" kern="0" dirty="0">
                 <a:solidFill>
                   <a:srgbClr val="5B6176"/>
                 </a:solidFill>
@@ -4055,7 +4050,7 @@
               <a:t>과정 </a:t>
             </a:r>
             <a:r>
-              <a:rPr lang="en-US" altLang="ko-KR" sz="1200" b="1" kern="0" dirty="0" smtClean="0">
+              <a:rPr lang="en-US" altLang="ko-KR" sz="1200" b="1" kern="0" dirty="0">
                 <a:solidFill>
                   <a:srgbClr val="5B6176"/>
                 </a:solidFill>
@@ -4063,7 +4058,7 @@
               <a:t>-</a:t>
             </a:r>
             <a:r>
-              <a:rPr lang="ko-KR" altLang="en-US" sz="1200" b="1" kern="0" dirty="0" smtClean="0">
+              <a:rPr lang="ko-KR" altLang="en-US" sz="1200" b="1" kern="0" dirty="0">
                 <a:solidFill>
                   <a:srgbClr val="5B6176"/>
                 </a:solidFill>
@@ -4244,13 +4239,6 @@
   <p:clrMapOvr>
     <a:masterClrMapping/>
   </p:clrMapOvr>
-  <p:timing>
-    <p:tnLst>
-      <p:par>
-        <p:cTn id="1" dur="indefinite" restart="never" nodeType="tmRoot"/>
-      </p:par>
-    </p:tnLst>
-  </p:timing>
 </p:sld>
 </file>
 
@@ -4447,7 +4435,7 @@
               <a:defRPr/>
             </a:pPr>
             <a:r>
-              <a:rPr lang="en-US" altLang="ko-KR" sz="2000" b="1" i="1" kern="0" dirty="0" err="1" smtClean="0">
+              <a:rPr lang="en-US" altLang="ko-KR" sz="2000" b="1" i="1" kern="0" dirty="0" err="1">
                 <a:solidFill>
                   <a:srgbClr val="5B6176"/>
                 </a:solidFill>
@@ -4455,7 +4443,7 @@
               <a:t>Winform</a:t>
             </a:r>
             <a:r>
-              <a:rPr lang="en-US" altLang="ko-KR" sz="2000" b="1" i="1" kern="0" dirty="0" smtClean="0">
+              <a:rPr lang="en-US" altLang="ko-KR" sz="2000" b="1" i="1" kern="0" dirty="0">
                 <a:solidFill>
                   <a:srgbClr val="5B6176"/>
                 </a:solidFill>
@@ -4463,7 +4451,7 @@
               <a:t> - </a:t>
             </a:r>
             <a:r>
-              <a:rPr lang="ko-KR" altLang="en-US" sz="2000" b="1" i="1" kern="0" dirty="0" smtClean="0">
+              <a:rPr lang="ko-KR" altLang="en-US" sz="2000" b="1" i="1" kern="0" dirty="0">
                 <a:solidFill>
                   <a:srgbClr val="5B6176"/>
                 </a:solidFill>
@@ -5097,7 +5085,7 @@
               </a:lnSpc>
             </a:pPr>
             <a:r>
-              <a:rPr lang="en-US" altLang="ko-KR" sz="1100" dirty="0" smtClean="0">
+              <a:rPr lang="en-US" altLang="ko-KR" sz="1100" dirty="0">
                 <a:solidFill>
                   <a:srgbClr val="5B6176"/>
                 </a:solidFill>
@@ -5105,7 +5093,7 @@
               <a:t>* </a:t>
             </a:r>
             <a:r>
-              <a:rPr lang="ko-KR" altLang="en-US" sz="1100" dirty="0" smtClean="0">
+              <a:rPr lang="ko-KR" altLang="en-US" sz="1100" dirty="0">
                 <a:solidFill>
                   <a:srgbClr val="5B6176"/>
                 </a:solidFill>
@@ -5113,14 +5101,14 @@
               <a:t>코드가 긴 관계로 주요 코드만 첨부하였습니다</a:t>
             </a:r>
             <a:r>
-              <a:rPr lang="en-US" altLang="ko-KR" sz="1100" dirty="0" smtClean="0">
+              <a:rPr lang="en-US" altLang="ko-KR" sz="1100" dirty="0">
                 <a:solidFill>
                   <a:srgbClr val="5B6176"/>
                 </a:solidFill>
               </a:rPr>
               <a:t>.</a:t>
             </a:r>
-            <a:endParaRPr lang="en-US" altLang="ko-KR" sz="1100" b="1" dirty="0" smtClean="0">
+            <a:endParaRPr lang="en-US" altLang="ko-KR" sz="1100" b="1" dirty="0">
               <a:solidFill>
                 <a:srgbClr val="5B6176"/>
               </a:solidFill>
@@ -5257,13 +5245,6 @@
   <p:clrMapOvr>
     <a:masterClrMapping/>
   </p:clrMapOvr>
-  <p:timing>
-    <p:tnLst>
-      <p:par>
-        <p:cTn id="1" dur="indefinite" restart="never" nodeType="tmRoot"/>
-      </p:par>
-    </p:tnLst>
-  </p:timing>
 </p:sld>
 </file>
 
@@ -5460,7 +5441,7 @@
               <a:defRPr/>
             </a:pPr>
             <a:r>
-              <a:rPr lang="en-US" altLang="ko-KR" sz="2000" b="1" i="1" kern="0" dirty="0" err="1" smtClean="0">
+              <a:rPr lang="en-US" altLang="ko-KR" sz="2000" b="1" i="1" kern="0" dirty="0" err="1">
                 <a:solidFill>
                   <a:srgbClr val="5B6176"/>
                 </a:solidFill>
@@ -5468,7 +5449,7 @@
               <a:t>Winform</a:t>
             </a:r>
             <a:r>
-              <a:rPr lang="en-US" altLang="ko-KR" sz="2000" b="1" i="1" kern="0" dirty="0" smtClean="0">
+              <a:rPr lang="en-US" altLang="ko-KR" sz="2000" b="1" i="1" kern="0" dirty="0">
                 <a:solidFill>
                   <a:srgbClr val="5B6176"/>
                 </a:solidFill>
@@ -5476,7 +5457,7 @@
               <a:t> - </a:t>
             </a:r>
             <a:r>
-              <a:rPr lang="ko-KR" altLang="en-US" sz="2000" b="1" i="1" kern="0" dirty="0" smtClean="0">
+              <a:rPr lang="ko-KR" altLang="en-US" sz="2000" b="1" i="1" kern="0" dirty="0">
                 <a:solidFill>
                   <a:srgbClr val="5B6176"/>
                 </a:solidFill>
@@ -6080,7 +6061,7 @@
               </a:lnSpc>
             </a:pPr>
             <a:r>
-              <a:rPr lang="en-US" altLang="ko-KR" sz="1100" dirty="0" smtClean="0">
+              <a:rPr lang="en-US" altLang="ko-KR" sz="1100" dirty="0">
                 <a:solidFill>
                   <a:srgbClr val="5B6176"/>
                 </a:solidFill>
@@ -6088,7 +6069,7 @@
               <a:t>* </a:t>
             </a:r>
             <a:r>
-              <a:rPr lang="ko-KR" altLang="en-US" sz="1100" dirty="0" smtClean="0">
+              <a:rPr lang="ko-KR" altLang="en-US" sz="1100" dirty="0">
                 <a:solidFill>
                   <a:srgbClr val="5B6176"/>
                 </a:solidFill>
@@ -6096,14 +6077,14 @@
               <a:t>코드가 긴 관계로 주요 코드만 첨부하였습니다</a:t>
             </a:r>
             <a:r>
-              <a:rPr lang="en-US" altLang="ko-KR" sz="1100" dirty="0" smtClean="0">
+              <a:rPr lang="en-US" altLang="ko-KR" sz="1100" dirty="0">
                 <a:solidFill>
                   <a:srgbClr val="5B6176"/>
                 </a:solidFill>
               </a:rPr>
               <a:t>.</a:t>
             </a:r>
-            <a:endParaRPr lang="en-US" altLang="ko-KR" sz="1100" b="1" dirty="0" smtClean="0">
+            <a:endParaRPr lang="en-US" altLang="ko-KR" sz="1100" b="1" dirty="0">
               <a:solidFill>
                 <a:srgbClr val="5B6176"/>
               </a:solidFill>
@@ -6270,13 +6251,6 @@
   <p:clrMapOvr>
     <a:masterClrMapping/>
   </p:clrMapOvr>
-  <p:timing>
-    <p:tnLst>
-      <p:par>
-        <p:cTn id="1" dur="indefinite" restart="never" nodeType="tmRoot"/>
-      </p:par>
-    </p:tnLst>
-  </p:timing>
 </p:sld>
 </file>
 
@@ -6473,7 +6447,7 @@
               <a:defRPr/>
             </a:pPr>
             <a:r>
-              <a:rPr lang="en-US" altLang="ko-KR" sz="2000" b="1" i="1" kern="0" dirty="0" err="1" smtClean="0">
+              <a:rPr lang="en-US" altLang="ko-KR" sz="2000" b="1" i="1" kern="0" dirty="0" err="1">
                 <a:solidFill>
                   <a:srgbClr val="5B6176"/>
                 </a:solidFill>
@@ -6481,7 +6455,7 @@
               <a:t>Winform</a:t>
             </a:r>
             <a:r>
-              <a:rPr lang="en-US" altLang="ko-KR" sz="2000" b="1" i="1" kern="0" dirty="0" smtClean="0">
+              <a:rPr lang="en-US" altLang="ko-KR" sz="2000" b="1" i="1" kern="0" dirty="0">
                 <a:solidFill>
                   <a:srgbClr val="5B6176"/>
                 </a:solidFill>
@@ -6489,7 +6463,7 @@
               <a:t> - </a:t>
             </a:r>
             <a:r>
-              <a:rPr lang="ko-KR" altLang="en-US" sz="2000" b="1" i="1" kern="0" dirty="0" smtClean="0">
+              <a:rPr lang="ko-KR" altLang="en-US" sz="2000" b="1" i="1" kern="0" dirty="0">
                 <a:solidFill>
                   <a:srgbClr val="5B6176"/>
                 </a:solidFill>
@@ -7093,7 +7067,7 @@
               </a:lnSpc>
             </a:pPr>
             <a:r>
-              <a:rPr lang="en-US" altLang="ko-KR" sz="1100" dirty="0" smtClean="0">
+              <a:rPr lang="en-US" altLang="ko-KR" sz="1100" dirty="0">
                 <a:solidFill>
                   <a:srgbClr val="5B6176"/>
                 </a:solidFill>
@@ -7101,7 +7075,7 @@
               <a:t>* </a:t>
             </a:r>
             <a:r>
-              <a:rPr lang="ko-KR" altLang="en-US" sz="1100" dirty="0" smtClean="0">
+              <a:rPr lang="ko-KR" altLang="en-US" sz="1100" dirty="0">
                 <a:solidFill>
                   <a:srgbClr val="5B6176"/>
                 </a:solidFill>
@@ -7109,14 +7083,14 @@
               <a:t>코드가 긴 관계로 주요 코드만 첨부하였습니다</a:t>
             </a:r>
             <a:r>
-              <a:rPr lang="en-US" altLang="ko-KR" sz="1100" dirty="0" smtClean="0">
+              <a:rPr lang="en-US" altLang="ko-KR" sz="1100" dirty="0">
                 <a:solidFill>
                   <a:srgbClr val="5B6176"/>
                 </a:solidFill>
               </a:rPr>
               <a:t>.</a:t>
             </a:r>
-            <a:endParaRPr lang="en-US" altLang="ko-KR" sz="1100" b="1" dirty="0" smtClean="0">
+            <a:endParaRPr lang="en-US" altLang="ko-KR" sz="1100" b="1" dirty="0">
               <a:solidFill>
                 <a:srgbClr val="5B6176"/>
               </a:solidFill>
@@ -7283,13 +7257,6 @@
   <p:clrMapOvr>
     <a:masterClrMapping/>
   </p:clrMapOvr>
-  <p:timing>
-    <p:tnLst>
-      <p:par>
-        <p:cTn id="1" dur="indefinite" restart="never" nodeType="tmRoot"/>
-      </p:par>
-    </p:tnLst>
-  </p:timing>
 </p:sld>
 </file>
 
@@ -7494,7 +7461,7 @@
               <a:defRPr/>
             </a:pPr>
             <a:r>
-              <a:rPr lang="ko-KR" altLang="en-US" sz="2000" b="1" i="1" kern="0" dirty="0" smtClean="0">
+              <a:rPr lang="ko-KR" altLang="en-US" sz="2000" b="1" i="1" kern="0" dirty="0">
                 <a:solidFill>
                   <a:srgbClr val="5B6176"/>
                 </a:solidFill>
@@ -7860,7 +7827,7 @@
               </a:lnSpc>
             </a:pPr>
             <a:r>
-              <a:rPr lang="ko-KR" altLang="en-US" sz="1400" b="1" dirty="0" smtClean="0">
+              <a:rPr lang="ko-KR" altLang="en-US" sz="1400" b="1" dirty="0">
                 <a:solidFill>
                   <a:srgbClr val="5B6176"/>
                 </a:solidFill>
@@ -7868,7 +7835,7 @@
               <a:t>시작 </a:t>
             </a:r>
             <a:r>
-              <a:rPr lang="en-US" altLang="ko-KR" sz="1400" b="1" dirty="0" smtClean="0">
+              <a:rPr lang="en-US" altLang="ko-KR" sz="1400" b="1" dirty="0">
                 <a:solidFill>
                   <a:srgbClr val="5B6176"/>
                 </a:solidFill>
@@ -7876,7 +7843,7 @@
               <a:t>&amp; </a:t>
             </a:r>
             <a:r>
-              <a:rPr lang="ko-KR" altLang="en-US" sz="1400" b="1" dirty="0" smtClean="0">
+              <a:rPr lang="ko-KR" altLang="en-US" sz="1400" b="1" dirty="0">
                 <a:solidFill>
                   <a:srgbClr val="5B6176"/>
                 </a:solidFill>
@@ -8099,13 +8066,6 @@
   <p:clrMapOvr>
     <a:masterClrMapping/>
   </p:clrMapOvr>
-  <p:timing>
-    <p:tnLst>
-      <p:par>
-        <p:cTn id="1" dur="indefinite" restart="never" nodeType="tmRoot"/>
-      </p:par>
-    </p:tnLst>
-  </p:timing>
 </p:sld>
 </file>
 
@@ -8302,20 +8262,12 @@
               <a:defRPr/>
             </a:pPr>
             <a:r>
-              <a:rPr lang="ko-KR" altLang="en-US" sz="2000" b="1" i="1" kern="0" dirty="0" smtClean="0">
-                <a:solidFill>
-                  <a:srgbClr val="5B6176"/>
-                </a:solidFill>
-              </a:rPr>
-              <a:t>프로그램 실행 흐름</a:t>
-            </a:r>
-            <a:r>
               <a:rPr lang="ko-KR" altLang="en-US" sz="2000" b="1" i="1" kern="0" dirty="0">
                 <a:solidFill>
                   <a:srgbClr val="5B6176"/>
                 </a:solidFill>
               </a:rPr>
-              <a:t>도</a:t>
+              <a:t>프로그램 실행 흐름도</a:t>
             </a:r>
             <a:endParaRPr lang="ko-KR" altLang="en-US" sz="4800" kern="0" dirty="0">
               <a:solidFill>
@@ -8676,7 +8628,7 @@
               </a:lnSpc>
             </a:pPr>
             <a:r>
-              <a:rPr lang="ko-KR" altLang="en-US" sz="1400" b="1" dirty="0" smtClean="0">
+              <a:rPr lang="ko-KR" altLang="en-US" sz="1400" b="1" dirty="0">
                 <a:solidFill>
                   <a:srgbClr val="5B6176"/>
                 </a:solidFill>
@@ -9021,13 +8973,6 @@
   <p:clrMapOvr>
     <a:masterClrMapping/>
   </p:clrMapOvr>
-  <p:timing>
-    <p:tnLst>
-      <p:par>
-        <p:cTn id="1" dur="indefinite" restart="never" nodeType="tmRoot"/>
-      </p:par>
-    </p:tnLst>
-  </p:timing>
 </p:sld>
 </file>
 
@@ -9224,7 +9169,7 @@
               <a:defRPr/>
             </a:pPr>
             <a:r>
-              <a:rPr lang="ko-KR" altLang="en-US" sz="2000" b="1" i="1" kern="0" dirty="0" smtClean="0">
+              <a:rPr lang="ko-KR" altLang="en-US" sz="2000" b="1" i="1" kern="0" dirty="0">
                 <a:solidFill>
                   <a:srgbClr val="5B6176"/>
                 </a:solidFill>
@@ -9590,20 +9535,12 @@
               </a:lnSpc>
             </a:pPr>
             <a:r>
-              <a:rPr lang="ko-KR" altLang="en-US" sz="1400" b="1" dirty="0" smtClean="0">
-                <a:solidFill>
-                  <a:srgbClr val="5B6176"/>
-                </a:solidFill>
-              </a:rPr>
-              <a:t>조</a:t>
-            </a:r>
-            <a:r>
               <a:rPr lang="ko-KR" altLang="en-US" sz="1400" b="1" dirty="0">
                 <a:solidFill>
                   <a:srgbClr val="5B6176"/>
                 </a:solidFill>
               </a:rPr>
-              <a:t>회</a:t>
+              <a:t>조회</a:t>
             </a:r>
             <a:endParaRPr lang="en-US" altLang="ko-KR" sz="1400" b="1" dirty="0">
               <a:solidFill>
@@ -10233,13 +10170,6 @@
   <p:clrMapOvr>
     <a:masterClrMapping/>
   </p:clrMapOvr>
-  <p:timing>
-    <p:tnLst>
-      <p:par>
-        <p:cTn id="1" dur="indefinite" restart="never" nodeType="tmRoot"/>
-      </p:par>
-    </p:tnLst>
-  </p:timing>
 </p:sld>
 </file>
 
@@ -10436,7 +10366,7 @@
               <a:defRPr/>
             </a:pPr>
             <a:r>
-              <a:rPr lang="ko-KR" altLang="en-US" sz="2000" b="1" i="1" kern="0" dirty="0" smtClean="0">
+              <a:rPr lang="ko-KR" altLang="en-US" sz="2000" b="1" i="1" kern="0" dirty="0">
                 <a:solidFill>
                   <a:srgbClr val="5B6176"/>
                 </a:solidFill>
@@ -10444,7 +10374,7 @@
               <a:t>프로그램 </a:t>
             </a:r>
             <a:r>
-              <a:rPr lang="ko-KR" altLang="en-US" sz="2000" b="1" i="1" kern="0" smtClean="0">
+              <a:rPr lang="ko-KR" altLang="en-US" sz="2000" b="1" i="1" kern="0">
                 <a:solidFill>
                   <a:srgbClr val="5B6176"/>
                 </a:solidFill>
@@ -10810,20 +10740,12 @@
               </a:lnSpc>
             </a:pPr>
             <a:r>
-              <a:rPr lang="ko-KR" altLang="en-US" sz="1400" b="1" dirty="0" smtClean="0">
-                <a:solidFill>
-                  <a:srgbClr val="5B6176"/>
-                </a:solidFill>
-              </a:rPr>
-              <a:t>종</a:t>
-            </a:r>
-            <a:r>
               <a:rPr lang="ko-KR" altLang="en-US" sz="1400" b="1" dirty="0">
                 <a:solidFill>
                   <a:srgbClr val="5B6176"/>
                 </a:solidFill>
               </a:rPr>
-              <a:t>료</a:t>
+              <a:t>종료</a:t>
             </a:r>
             <a:endParaRPr lang="en-US" altLang="ko-KR" sz="1400" b="1" dirty="0">
               <a:solidFill>
@@ -11209,13 +11131,6 @@
   <p:clrMapOvr>
     <a:masterClrMapping/>
   </p:clrMapOvr>
-  <p:timing>
-    <p:tnLst>
-      <p:par>
-        <p:cTn id="1" dur="indefinite" restart="never" nodeType="tmRoot"/>
-      </p:par>
-    </p:tnLst>
-  </p:timing>
 </p:sld>
 </file>
 
@@ -11412,7 +11327,7 @@
               <a:defRPr/>
             </a:pPr>
             <a:r>
-              <a:rPr lang="ko-KR" altLang="en-US" sz="2000" b="1" i="1" kern="0" dirty="0" smtClean="0">
+              <a:rPr lang="ko-KR" altLang="en-US" sz="2000" b="1" i="1" kern="0" dirty="0">
                 <a:solidFill>
                   <a:srgbClr val="5B6176"/>
                 </a:solidFill>
@@ -11809,7 +11724,7 @@
                         <a:defRPr/>
                       </a:pPr>
                       <a:r>
-                        <a:rPr kumimoji="0" lang="ko-KR" altLang="en-US" sz="1400" b="1" i="0" u="none" strike="noStrike" kern="1200" cap="none" spc="0" normalizeH="0" baseline="0" noProof="0" dirty="0" smtClean="0">
+                        <a:rPr kumimoji="0" lang="ko-KR" altLang="en-US" sz="1400" b="1" i="0" u="none" strike="noStrike" kern="1200" cap="none" spc="0" normalizeH="0" baseline="0" noProof="0" dirty="0">
                           <a:ln>
                             <a:noFill/>
                           </a:ln>
@@ -11863,18 +11778,13 @@
                     <a:p>
                       <a:pPr algn="ctr" latinLnBrk="1"/>
                       <a:r>
-                        <a:rPr lang="ko-KR" altLang="en-US" sz="1400" dirty="0" smtClean="0">
+                        <a:rPr lang="ko-KR" altLang="en-US" sz="1400" dirty="0">
                           <a:solidFill>
                             <a:srgbClr val="5B6176"/>
                           </a:solidFill>
                         </a:rPr>
                         <a:t>내용</a:t>
                       </a:r>
-                      <a:endParaRPr lang="ko-KR" altLang="en-US" sz="1400" dirty="0">
-                        <a:solidFill>
-                          <a:srgbClr val="5B6176"/>
-                        </a:solidFill>
-                      </a:endParaRPr>
                     </a:p>
                   </a:txBody>
                   <a:tcPr anchor="ctr">
@@ -11935,7 +11845,7 @@
                         <a:defRPr/>
                       </a:pPr>
                       <a:r>
-                        <a:rPr kumimoji="0" lang="ko-KR" altLang="en-US" sz="1400" b="1" i="0" u="none" strike="noStrike" kern="1200" cap="none" spc="0" normalizeH="0" baseline="0" noProof="0" dirty="0" smtClean="0">
+                        <a:rPr kumimoji="0" lang="ko-KR" altLang="en-US" sz="1400" b="1" i="0" u="none" strike="noStrike" kern="1200" cap="none" spc="0" normalizeH="0" baseline="0" noProof="0" dirty="0">
                           <a:ln>
                             <a:noFill/>
                           </a:ln>
@@ -11954,7 +11864,7 @@
                         </a:rPr>
                         <a:t>패턴 코드</a:t>
                       </a:r>
-                      <a:endParaRPr kumimoji="0" lang="en-US" altLang="ko-KR" sz="1400" b="1" i="0" u="none" strike="noStrike" kern="1200" cap="none" spc="0" normalizeH="0" baseline="0" noProof="0" dirty="0" smtClean="0">
+                      <a:endParaRPr kumimoji="0" lang="en-US" altLang="ko-KR" sz="1400" b="1" i="0" u="none" strike="noStrike" kern="1200" cap="none" spc="0" normalizeH="0" baseline="0" noProof="0" dirty="0">
                         <a:ln>
                           <a:noFill/>
                         </a:ln>
@@ -12026,7 +11936,7 @@
                         <a:defRPr/>
                       </a:pPr>
                       <a:r>
-                        <a:rPr kumimoji="0" lang="ko-KR" altLang="en-US" sz="1050" b="0" i="0" u="none" strike="noStrike" kern="1200" cap="none" spc="0" normalizeH="0" baseline="0" noProof="0" dirty="0" smtClean="0">
+                        <a:rPr kumimoji="0" lang="ko-KR" altLang="en-US" sz="1050" b="0" i="0" u="none" strike="noStrike" kern="1200" cap="none" spc="0" normalizeH="0" baseline="0" noProof="0" dirty="0">
                           <a:ln>
                             <a:noFill/>
                           </a:ln>
@@ -12045,7 +11955,7 @@
                         </a:rPr>
                         <a:t>번호 패턴에 대해 조금 더 구체적인</a:t>
                       </a:r>
-                      <a:endParaRPr kumimoji="0" lang="en-US" altLang="ko-KR" sz="1050" b="0" i="0" u="none" strike="noStrike" kern="1200" cap="none" spc="0" normalizeH="0" baseline="0" noProof="0" dirty="0" smtClean="0">
+                      <a:endParaRPr kumimoji="0" lang="en-US" altLang="ko-KR" sz="1050" b="0" i="0" u="none" strike="noStrike" kern="1200" cap="none" spc="0" normalizeH="0" baseline="0" noProof="0" dirty="0">
                         <a:ln>
                           <a:noFill/>
                         </a:ln>
@@ -12082,7 +11992,7 @@
                         <a:defRPr/>
                       </a:pPr>
                       <a:r>
-                        <a:rPr kumimoji="0" lang="ko-KR" altLang="en-US" sz="1050" b="0" i="0" u="none" strike="noStrike" kern="1200" cap="none" spc="0" normalizeH="0" baseline="0" noProof="0" dirty="0" smtClean="0">
+                        <a:rPr kumimoji="0" lang="ko-KR" altLang="en-US" sz="1050" b="0" i="0" u="none" strike="noStrike" kern="1200" cap="none" spc="0" normalizeH="0" baseline="0" noProof="0" dirty="0">
                           <a:ln>
                             <a:noFill/>
                           </a:ln>
@@ -12102,7 +12012,7 @@
                         <a:t>코드를 구현하지 못한 것이 아쉽습니다</a:t>
                       </a:r>
                       <a:r>
-                        <a:rPr kumimoji="0" lang="en-US" altLang="ko-KR" sz="1050" b="0" i="0" u="none" strike="noStrike" kern="1200" cap="none" spc="0" normalizeH="0" baseline="0" noProof="0" dirty="0" smtClean="0">
+                        <a:rPr kumimoji="0" lang="en-US" altLang="ko-KR" sz="1050" b="0" i="0" u="none" strike="noStrike" kern="1200" cap="none" spc="0" normalizeH="0" baseline="0" noProof="0" dirty="0">
                           <a:ln>
                             <a:noFill/>
                           </a:ln>
@@ -12121,7 +12031,7 @@
                         </a:rPr>
                         <a:t>.</a:t>
                       </a:r>
-                      <a:endParaRPr kumimoji="0" lang="ko-KR" altLang="en-US" sz="1050" b="0" i="0" u="none" strike="noStrike" kern="1200" cap="none" spc="0" normalizeH="0" baseline="0" noProof="0" dirty="0" smtClean="0">
+                      <a:endParaRPr kumimoji="0" lang="ko-KR" altLang="en-US" sz="1050" b="0" i="0" u="none" strike="noStrike" kern="1200" cap="none" spc="0" normalizeH="0" baseline="0" noProof="0" dirty="0">
                         <a:ln>
                           <a:noFill/>
                         </a:ln>
@@ -12200,7 +12110,7 @@
                         <a:defRPr/>
                       </a:pPr>
                       <a:r>
-                        <a:rPr kumimoji="0" lang="ko-KR" altLang="en-US" sz="1400" b="1" i="0" u="none" strike="noStrike" kern="1200" cap="none" spc="0" normalizeH="0" baseline="0" noProof="0" dirty="0" smtClean="0">
+                        <a:rPr kumimoji="0" lang="ko-KR" altLang="en-US" sz="1400" b="1" i="0" u="none" strike="noStrike" kern="1200" cap="none" spc="0" normalizeH="0" baseline="0" noProof="0" dirty="0">
                           <a:ln>
                             <a:noFill/>
                           </a:ln>
@@ -12219,7 +12129,7 @@
                         </a:rPr>
                         <a:t>공급자 문제</a:t>
                       </a:r>
-                      <a:endParaRPr kumimoji="0" lang="en-US" altLang="ko-KR" sz="1400" b="1" i="0" u="none" strike="noStrike" kern="1200" cap="none" spc="0" normalizeH="0" baseline="0" noProof="0" dirty="0" smtClean="0">
+                      <a:endParaRPr kumimoji="0" lang="en-US" altLang="ko-KR" sz="1400" b="1" i="0" u="none" strike="noStrike" kern="1200" cap="none" spc="0" normalizeH="0" baseline="0" noProof="0" dirty="0">
                         <a:ln>
                           <a:noFill/>
                         </a:ln>
@@ -12301,7 +12211,7 @@
                         <a:defRPr/>
                       </a:pPr>
                       <a:r>
-                        <a:rPr kumimoji="0" lang="ko-KR" altLang="en-US" sz="1050" b="0" i="0" u="none" strike="noStrike" kern="1200" cap="none" spc="0" normalizeH="0" baseline="0" noProof="0" dirty="0" smtClean="0">
+                        <a:rPr kumimoji="0" lang="ko-KR" altLang="en-US" sz="1050" b="0" i="0" u="none" strike="noStrike" kern="1200" cap="none" spc="0" normalizeH="0" baseline="0" noProof="0" dirty="0">
                           <a:ln>
                             <a:noFill/>
                           </a:ln>
@@ -12320,7 +12230,7 @@
                         </a:rPr>
                         <a:t>엑셀을 연동할 때 일부 컴퓨터에서 공급자 문제가 발생하는데</a:t>
                       </a:r>
-                      <a:endParaRPr kumimoji="0" lang="en-US" altLang="ko-KR" sz="1050" b="0" i="0" u="none" strike="noStrike" kern="1200" cap="none" spc="0" normalizeH="0" baseline="0" noProof="0" dirty="0" smtClean="0">
+                      <a:endParaRPr kumimoji="0" lang="en-US" altLang="ko-KR" sz="1050" b="0" i="0" u="none" strike="noStrike" kern="1200" cap="none" spc="0" normalizeH="0" baseline="0" noProof="0" dirty="0">
                         <a:ln>
                           <a:noFill/>
                         </a:ln>
@@ -12357,7 +12267,7 @@
                         <a:defRPr/>
                       </a:pPr>
                       <a:r>
-                        <a:rPr kumimoji="0" lang="ko-KR" altLang="en-US" sz="1050" b="0" i="0" u="none" strike="noStrike" kern="1200" cap="none" spc="0" normalizeH="0" baseline="0" noProof="0" dirty="0" smtClean="0">
+                        <a:rPr kumimoji="0" lang="ko-KR" altLang="en-US" sz="1050" b="0" i="0" u="none" strike="noStrike" kern="1200" cap="none" spc="0" normalizeH="0" baseline="0" noProof="0" dirty="0">
                           <a:ln>
                             <a:noFill/>
                           </a:ln>
@@ -12376,7 +12286,7 @@
                         </a:rPr>
                         <a:t>이를 사용자가 처리하기에는 번거로움이 있어</a:t>
                       </a:r>
-                      <a:endParaRPr kumimoji="0" lang="en-US" altLang="ko-KR" sz="1050" b="0" i="0" u="none" strike="noStrike" kern="1200" cap="none" spc="0" normalizeH="0" baseline="0" noProof="0" dirty="0" smtClean="0">
+                      <a:endParaRPr kumimoji="0" lang="en-US" altLang="ko-KR" sz="1050" b="0" i="0" u="none" strike="noStrike" kern="1200" cap="none" spc="0" normalizeH="0" baseline="0" noProof="0" dirty="0">
                         <a:ln>
                           <a:noFill/>
                         </a:ln>
@@ -12413,7 +12323,7 @@
                         <a:defRPr/>
                       </a:pPr>
                       <a:r>
-                        <a:rPr kumimoji="0" lang="ko-KR" altLang="en-US" sz="1050" b="0" i="0" u="none" strike="noStrike" kern="1200" cap="none" spc="0" normalizeH="0" baseline="0" noProof="0" dirty="0" smtClean="0">
+                        <a:rPr kumimoji="0" lang="ko-KR" altLang="en-US" sz="1050" b="0" i="0" u="none" strike="noStrike" kern="1200" cap="none" spc="0" normalizeH="0" baseline="0" noProof="0" dirty="0">
                           <a:ln>
                             <a:noFill/>
                           </a:ln>
@@ -12433,7 +12343,7 @@
                         <a:t>보완이 필요합니다</a:t>
                       </a:r>
                       <a:r>
-                        <a:rPr kumimoji="0" lang="en-US" altLang="ko-KR" sz="1050" b="0" i="0" u="none" strike="noStrike" kern="1200" cap="none" spc="0" normalizeH="0" baseline="0" noProof="0" dirty="0" smtClean="0">
+                        <a:rPr kumimoji="0" lang="en-US" altLang="ko-KR" sz="1050" b="0" i="0" u="none" strike="noStrike" kern="1200" cap="none" spc="0" normalizeH="0" baseline="0" noProof="0" dirty="0">
                           <a:ln>
                             <a:noFill/>
                           </a:ln>
@@ -12452,7 +12362,7 @@
                         </a:rPr>
                         <a:t>.</a:t>
                       </a:r>
-                      <a:endParaRPr kumimoji="0" lang="ko-KR" altLang="en-US" sz="1050" b="0" i="0" u="none" strike="noStrike" kern="1200" cap="none" spc="0" normalizeH="0" baseline="0" noProof="0" dirty="0" smtClean="0">
+                      <a:endParaRPr kumimoji="0" lang="ko-KR" altLang="en-US" sz="1050" b="0" i="0" u="none" strike="noStrike" kern="1200" cap="none" spc="0" normalizeH="0" baseline="0" noProof="0" dirty="0">
                         <a:ln>
                           <a:noFill/>
                         </a:ln>
@@ -12541,7 +12451,7 @@
                         <a:defRPr/>
                       </a:pPr>
                       <a:r>
-                        <a:rPr kumimoji="0" lang="en-US" altLang="ko-KR" sz="1400" b="1" i="0" u="none" strike="noStrike" kern="1200" cap="none" spc="0" normalizeH="0" baseline="0" noProof="0" dirty="0" smtClean="0">
+                        <a:rPr kumimoji="0" lang="en-US" altLang="ko-KR" sz="1400" b="1" i="0" u="none" strike="noStrike" kern="1200" cap="none" spc="0" normalizeH="0" baseline="0" noProof="0" dirty="0">
                           <a:ln>
                             <a:noFill/>
                           </a:ln>
@@ -12625,7 +12535,7 @@
                         <a:defRPr/>
                       </a:pPr>
                       <a:r>
-                        <a:rPr kumimoji="0" lang="ko-KR" altLang="en-US" sz="1050" b="0" i="0" u="none" strike="noStrike" kern="1200" cap="none" spc="0" normalizeH="0" baseline="0" noProof="0" dirty="0" smtClean="0">
+                        <a:rPr kumimoji="0" lang="ko-KR" altLang="en-US" sz="1050" b="0" i="0" u="none" strike="noStrike" kern="1200" cap="none" spc="0" normalizeH="0" baseline="0" noProof="0" dirty="0">
                           <a:ln>
                             <a:noFill/>
                           </a:ln>
@@ -12642,29 +12552,9 @@
                           <a:ea typeface="+mn-ea"/>
                           <a:cs typeface="+mn-cs"/>
                         </a:rPr>
-                        <a:t>엑셀 파일을 매번 수정해야 </a:t>
+                        <a:t>엑셀 파일을 매번 수정해야 되는 점이 발생해</a:t>
                       </a:r>
-                      <a:r>
-                        <a:rPr kumimoji="0" lang="ko-KR" altLang="en-US" sz="1050" b="0" i="0" u="none" strike="noStrike" kern="1200" cap="none" spc="0" normalizeH="0" baseline="0" noProof="0" dirty="0" smtClean="0">
-                          <a:ln>
-                            <a:noFill/>
-                          </a:ln>
-                          <a:solidFill>
-                            <a:schemeClr val="tx1">
-                              <a:lumMod val="75000"/>
-                              <a:lumOff val="25000"/>
-                            </a:schemeClr>
-                          </a:solidFill>
-                          <a:effectLst/>
-                          <a:uLnTx/>
-                          <a:uFillTx/>
-                          <a:latin typeface="+mn-lt"/>
-                          <a:ea typeface="+mn-ea"/>
-                          <a:cs typeface="+mn-cs"/>
-                        </a:rPr>
-                        <a:t>되는 점이 발생해</a:t>
-                      </a:r>
-                      <a:endParaRPr kumimoji="0" lang="en-US" altLang="ko-KR" sz="1050" b="0" i="0" u="none" strike="noStrike" kern="1200" cap="none" spc="0" normalizeH="0" baseline="0" noProof="0" dirty="0" smtClean="0">
+                      <a:endParaRPr kumimoji="0" lang="en-US" altLang="ko-KR" sz="1050" b="0" i="0" u="none" strike="noStrike" kern="1200" cap="none" spc="0" normalizeH="0" baseline="0" noProof="0" dirty="0">
                         <a:ln>
                           <a:noFill/>
                         </a:ln>
@@ -12701,7 +12591,7 @@
                         <a:defRPr/>
                       </a:pPr>
                       <a:r>
-                        <a:rPr kumimoji="0" lang="ko-KR" altLang="en-US" sz="1050" b="0" i="0" u="none" strike="noStrike" kern="1200" cap="none" spc="0" normalizeH="0" baseline="0" noProof="0" dirty="0" smtClean="0">
+                        <a:rPr kumimoji="0" lang="ko-KR" altLang="en-US" sz="1050" b="0" i="0" u="none" strike="noStrike" kern="1200" cap="none" spc="0" normalizeH="0" baseline="0" noProof="0" dirty="0">
                           <a:ln>
                             <a:noFill/>
                           </a:ln>
@@ -12721,7 +12611,7 @@
                         <a:t>이 부분에 대한 해결이 필요합니다</a:t>
                       </a:r>
                       <a:r>
-                        <a:rPr kumimoji="0" lang="en-US" altLang="ko-KR" sz="1050" b="0" i="0" u="none" strike="noStrike" kern="1200" cap="none" spc="0" normalizeH="0" baseline="0" noProof="0" dirty="0" smtClean="0">
+                        <a:rPr kumimoji="0" lang="en-US" altLang="ko-KR" sz="1050" b="0" i="0" u="none" strike="noStrike" kern="1200" cap="none" spc="0" normalizeH="0" baseline="0" noProof="0" dirty="0">
                           <a:ln>
                             <a:noFill/>
                           </a:ln>
@@ -12740,7 +12630,7 @@
                         </a:rPr>
                         <a:t>.</a:t>
                       </a:r>
-                      <a:endParaRPr kumimoji="0" lang="ko-KR" altLang="en-US" sz="1050" b="0" i="0" u="none" strike="noStrike" kern="1200" cap="none" spc="0" normalizeH="0" baseline="0" noProof="0" dirty="0" smtClean="0">
+                      <a:endParaRPr kumimoji="0" lang="ko-KR" altLang="en-US" sz="1050" b="0" i="0" u="none" strike="noStrike" kern="1200" cap="none" spc="0" normalizeH="0" baseline="0" noProof="0" dirty="0">
                         <a:ln>
                           <a:noFill/>
                         </a:ln>
@@ -12845,13 +12735,6 @@
   <p:clrMapOvr>
     <a:masterClrMapping/>
   </p:clrMapOvr>
-  <p:timing>
-    <p:tnLst>
-      <p:par>
-        <p:cTn id="1" dur="indefinite" restart="never" nodeType="tmRoot"/>
-      </p:par>
-    </p:tnLst>
-  </p:timing>
 </p:sld>
 </file>
 
@@ -13048,7 +12931,7 @@
               <a:defRPr/>
             </a:pPr>
             <a:r>
-              <a:rPr lang="en-US" altLang="ko-KR" sz="2000" b="1" i="1" kern="0" dirty="0" smtClean="0">
+              <a:rPr lang="en-US" altLang="ko-KR" sz="2000" b="1" i="1" kern="0" dirty="0">
                 <a:solidFill>
                   <a:srgbClr val="5B6176"/>
                 </a:solidFill>
@@ -13408,7 +13291,7 @@
               </a:lnSpc>
             </a:pPr>
             <a:r>
-              <a:rPr lang="ko-KR" altLang="en-US" sz="7200" b="1" i="1" dirty="0" smtClean="0">
+              <a:rPr lang="ko-KR" altLang="en-US" sz="7200" b="1" i="1" dirty="0">
                 <a:solidFill>
                   <a:srgbClr val="5B6176"/>
                 </a:solidFill>
@@ -13416,7 +13299,7 @@
               <a:t>감사합니다</a:t>
             </a:r>
             <a:r>
-              <a:rPr lang="en-US" altLang="ko-KR" sz="7200" b="1" i="1" dirty="0" smtClean="0">
+              <a:rPr lang="en-US" altLang="ko-KR" sz="7200" b="1" i="1" dirty="0">
                 <a:solidFill>
                   <a:srgbClr val="5B6176"/>
                 </a:solidFill>
@@ -13441,13 +13324,6 @@
   <p:clrMapOvr>
     <a:masterClrMapping/>
   </p:clrMapOvr>
-  <p:timing>
-    <p:tnLst>
-      <p:par>
-        <p:cTn id="1" dur="indefinite" restart="never" nodeType="tmRoot"/>
-      </p:par>
-    </p:tnLst>
-  </p:timing>
 </p:sld>
 </file>
 
@@ -17421,7 +17297,7 @@
               </a:lnSpc>
             </a:pPr>
             <a:r>
-              <a:rPr lang="en-US" altLang="ko-KR" sz="1400" dirty="0" smtClean="0">
+              <a:rPr lang="en-US" altLang="ko-KR" sz="1400" dirty="0">
                 <a:solidFill>
                   <a:srgbClr val="5B6176"/>
                 </a:solidFill>
@@ -17429,14 +17305,14 @@
               <a:t>1. </a:t>
             </a:r>
             <a:r>
-              <a:rPr lang="ko-KR" altLang="en-US" sz="1400" dirty="0" smtClean="0">
+              <a:rPr lang="ko-KR" altLang="en-US" sz="1400" dirty="0">
                 <a:solidFill>
                   <a:srgbClr val="5B6176"/>
                 </a:solidFill>
               </a:rPr>
               <a:t>프로그램의 기본 구조</a:t>
             </a:r>
-            <a:endParaRPr lang="en-US" altLang="ko-KR" sz="1400" dirty="0" smtClean="0">
+            <a:endParaRPr lang="en-US" altLang="ko-KR" sz="1400" dirty="0">
               <a:solidFill>
                 <a:srgbClr val="5B6176"/>
               </a:solidFill>
@@ -17565,7 +17441,7 @@
             <a:p>
               <a:pPr algn="ctr"/>
               <a:r>
-                <a:rPr lang="en-US" altLang="ko-KR" sz="1000" b="1" dirty="0" smtClean="0">
+                <a:rPr lang="en-US" altLang="ko-KR" sz="1000" b="1" dirty="0">
                   <a:solidFill>
                     <a:prstClr val="black">
                       <a:lumMod val="75000"/>
@@ -21156,7 +21032,7 @@
               </a:lnSpc>
             </a:pPr>
             <a:r>
-              <a:rPr lang="en-US" altLang="ko-KR" sz="1400" dirty="0" smtClean="0">
+              <a:rPr lang="en-US" altLang="ko-KR" sz="1400" dirty="0">
                 <a:solidFill>
                   <a:srgbClr val="5B6176"/>
                 </a:solidFill>
@@ -21164,7 +21040,7 @@
               <a:t>2. </a:t>
             </a:r>
             <a:r>
-              <a:rPr lang="ko-KR" altLang="en-US" sz="1400" dirty="0" smtClean="0">
+              <a:rPr lang="ko-KR" altLang="en-US" sz="1400" dirty="0">
                 <a:solidFill>
                   <a:srgbClr val="5B6176"/>
                 </a:solidFill>
@@ -21172,7 +21048,7 @@
               <a:t>알고리즘</a:t>
             </a:r>
             <a:r>
-              <a:rPr lang="en-US" altLang="ko-KR" sz="1400" dirty="0" smtClean="0">
+              <a:rPr lang="en-US" altLang="ko-KR" sz="1400" dirty="0">
                 <a:solidFill>
                   <a:srgbClr val="5B6176"/>
                 </a:solidFill>
@@ -21180,7 +21056,7 @@
               <a:t>, </a:t>
             </a:r>
             <a:r>
-              <a:rPr lang="ko-KR" altLang="en-US" sz="1400" dirty="0" smtClean="0">
+              <a:rPr lang="ko-KR" altLang="en-US" sz="1400" dirty="0">
                 <a:solidFill>
                   <a:srgbClr val="5B6176"/>
                 </a:solidFill>
@@ -24907,7 +24783,7 @@
               </a:lnSpc>
             </a:pPr>
             <a:r>
-              <a:rPr lang="en-US" altLang="ko-KR" sz="1400" dirty="0" smtClean="0">
+              <a:rPr lang="en-US" altLang="ko-KR" sz="1400" dirty="0">
                 <a:solidFill>
                   <a:srgbClr val="5B6176"/>
                 </a:solidFill>
@@ -24915,7 +24791,7 @@
               <a:t>3. </a:t>
             </a:r>
             <a:r>
-              <a:rPr lang="en-US" altLang="ko-KR" sz="1400" dirty="0" err="1" smtClean="0">
+              <a:rPr lang="en-US" altLang="ko-KR" sz="1400" dirty="0" err="1">
                 <a:solidFill>
                   <a:srgbClr val="5B6176"/>
                 </a:solidFill>
@@ -25051,7 +24927,7 @@
             <a:p>
               <a:pPr algn="ctr"/>
               <a:r>
-                <a:rPr lang="en-US" altLang="ko-KR" sz="1000" b="1" dirty="0" smtClean="0">
+                <a:rPr lang="en-US" altLang="ko-KR" sz="1000" b="1" dirty="0">
                   <a:solidFill>
                     <a:prstClr val="black">
                       <a:lumMod val="75000"/>
@@ -28586,7 +28462,7 @@
               </a:lnSpc>
             </a:pPr>
             <a:r>
-              <a:rPr lang="en-US" altLang="ko-KR" sz="4800" b="1" dirty="0" smtClean="0">
+              <a:rPr lang="en-US" altLang="ko-KR" sz="4800" b="1" dirty="0">
                 <a:solidFill>
                   <a:srgbClr val="5B6176"/>
                 </a:solidFill>
@@ -28594,7 +28470,7 @@
               <a:t>100</a:t>
             </a:r>
             <a:r>
-              <a:rPr lang="en-US" altLang="ko-KR" dirty="0" smtClean="0">
+              <a:rPr lang="en-US" altLang="ko-KR" dirty="0">
                 <a:solidFill>
                   <a:srgbClr val="5B6176"/>
                 </a:solidFill>
@@ -28642,7 +28518,7 @@
               </a:lnSpc>
             </a:pPr>
             <a:r>
-              <a:rPr lang="en-US" altLang="ko-KR" sz="1400" dirty="0" smtClean="0">
+              <a:rPr lang="en-US" altLang="ko-KR" sz="1400" dirty="0">
                 <a:solidFill>
                   <a:srgbClr val="5B6176"/>
                 </a:solidFill>
@@ -28650,7 +28526,7 @@
               <a:t>4. </a:t>
             </a:r>
             <a:r>
-              <a:rPr lang="ko-KR" altLang="en-US" sz="1400" dirty="0" smtClean="0">
+              <a:rPr lang="ko-KR" altLang="en-US" sz="1400" dirty="0">
                 <a:solidFill>
                   <a:srgbClr val="5B6176"/>
                 </a:solidFill>
@@ -28658,18 +28534,13 @@
               <a:t>프로그램 실행 흐름도</a:t>
             </a:r>
             <a:r>
-              <a:rPr lang="ko-KR" altLang="en-US" sz="1000" dirty="0" smtClean="0">
+              <a:rPr lang="ko-KR" altLang="en-US" sz="1000" dirty="0">
                 <a:solidFill>
                   <a:srgbClr val="5B6176"/>
                 </a:solidFill>
               </a:rPr>
               <a:t> </a:t>
             </a:r>
-            <a:endParaRPr lang="ko-KR" altLang="en-US" sz="1000" dirty="0">
-              <a:solidFill>
-                <a:srgbClr val="5B6176"/>
-              </a:solidFill>
-            </a:endParaRPr>
           </a:p>
         </p:txBody>
       </p:sp>
@@ -28794,7 +28665,7 @@
             <a:p>
               <a:pPr algn="ctr"/>
               <a:r>
-                <a:rPr lang="en-US" altLang="ko-KR" sz="1000" b="1" dirty="0" smtClean="0">
+                <a:rPr lang="en-US" altLang="ko-KR" sz="1000" b="1" dirty="0">
                   <a:solidFill>
                     <a:prstClr val="black">
                       <a:lumMod val="75000"/>
@@ -28951,13 +28822,6 @@
   <p:clrMapOvr>
     <a:masterClrMapping/>
   </p:clrMapOvr>
-  <p:timing>
-    <p:tnLst>
-      <p:par>
-        <p:cTn id="1" dur="indefinite" restart="never" nodeType="tmRoot"/>
-      </p:par>
-    </p:tnLst>
-  </p:timing>
 </p:sld>
 </file>
 
@@ -29162,7 +29026,7 @@
               <a:defRPr/>
             </a:pPr>
             <a:r>
-              <a:rPr lang="ko-KR" altLang="en-US" sz="2000" b="1" i="1" kern="0" dirty="0" smtClean="0">
+              <a:rPr lang="ko-KR" altLang="en-US" sz="2000" b="1" i="1" kern="0" dirty="0">
                 <a:solidFill>
                   <a:srgbClr val="5B6176"/>
                 </a:solidFill>
@@ -29777,7 +29641,7 @@
               </a:lnSpc>
             </a:pPr>
             <a:r>
-              <a:rPr lang="ko-KR" altLang="en-US" sz="1400" b="1" dirty="0" smtClean="0">
+              <a:rPr lang="ko-KR" altLang="en-US" sz="1400" b="1" dirty="0">
                 <a:solidFill>
                   <a:srgbClr val="5B6176"/>
                 </a:solidFill>
@@ -29797,7 +29661,7 @@
               </a:lnSpc>
             </a:pPr>
             <a:r>
-              <a:rPr lang="en-US" altLang="ko-KR" sz="1200" dirty="0" smtClean="0">
+              <a:rPr lang="en-US" altLang="ko-KR" sz="1200" dirty="0">
                 <a:solidFill>
                   <a:srgbClr val="5B6176"/>
                 </a:solidFill>
@@ -29805,18 +29669,13 @@
               <a:t>C#</a:t>
             </a:r>
             <a:r>
-              <a:rPr lang="ko-KR" altLang="en-US" sz="900" dirty="0" smtClean="0">
+              <a:rPr lang="ko-KR" altLang="en-US" sz="900" dirty="0">
                 <a:solidFill>
                   <a:srgbClr val="5B6176"/>
                 </a:solidFill>
               </a:rPr>
               <a:t> </a:t>
             </a:r>
-            <a:endParaRPr lang="ko-KR" altLang="en-US" sz="900" dirty="0">
-              <a:solidFill>
-                <a:srgbClr val="5B6176"/>
-              </a:solidFill>
-            </a:endParaRPr>
           </a:p>
         </p:txBody>
       </p:sp>
@@ -30102,7 +29961,7 @@
               </a:lnSpc>
             </a:pPr>
             <a:r>
-              <a:rPr lang="en-US" altLang="ko-KR" sz="1400" b="1" dirty="0" smtClean="0">
+              <a:rPr lang="en-US" altLang="ko-KR" sz="1400" b="1" dirty="0">
                 <a:solidFill>
                   <a:srgbClr val="5B6176"/>
                 </a:solidFill>
@@ -30110,7 +29969,7 @@
               <a:t>IDE</a:t>
             </a:r>
             <a:r>
-              <a:rPr lang="ko-KR" altLang="en-US" sz="1400" b="1" dirty="0" smtClean="0">
+              <a:rPr lang="ko-KR" altLang="en-US" sz="1400" b="1" dirty="0">
                 <a:solidFill>
                   <a:srgbClr val="5B6176"/>
                 </a:solidFill>
@@ -30130,18 +29989,13 @@
               </a:lnSpc>
             </a:pPr>
             <a:r>
-              <a:rPr lang="en-US" altLang="ko-KR" sz="1200" dirty="0" smtClean="0">
+              <a:rPr lang="en-US" altLang="ko-KR" sz="1200" dirty="0">
                 <a:solidFill>
                   <a:srgbClr val="5B6176"/>
                 </a:solidFill>
               </a:rPr>
               <a:t>Visual Studio 2019</a:t>
             </a:r>
-            <a:endParaRPr lang="en-US" altLang="ko-KR" sz="1200" dirty="0">
-              <a:solidFill>
-                <a:srgbClr val="5B6176"/>
-              </a:solidFill>
-            </a:endParaRPr>
           </a:p>
         </p:txBody>
       </p:sp>
@@ -30427,7 +30281,7 @@
               </a:lnSpc>
             </a:pPr>
             <a:r>
-              <a:rPr lang="ko-KR" altLang="en-US" sz="1400" b="1" dirty="0" smtClean="0">
+              <a:rPr lang="ko-KR" altLang="en-US" sz="1400" b="1" dirty="0">
                 <a:solidFill>
                   <a:srgbClr val="5B6176"/>
                 </a:solidFill>
@@ -30447,7 +30301,7 @@
               </a:lnSpc>
             </a:pPr>
             <a:r>
-              <a:rPr lang="ko-KR" altLang="en-US" sz="1200" dirty="0" smtClean="0">
+              <a:rPr lang="ko-KR" altLang="en-US" sz="1200" dirty="0">
                 <a:solidFill>
                   <a:srgbClr val="5B6176"/>
                 </a:solidFill>
@@ -30455,7 +30309,7 @@
               <a:t>윤인성 </a:t>
             </a:r>
             <a:r>
-              <a:rPr lang="en-US" altLang="ko-KR" sz="1200" dirty="0" smtClean="0">
+              <a:rPr lang="en-US" altLang="ko-KR" sz="1200" dirty="0">
                 <a:solidFill>
                   <a:srgbClr val="5B6176"/>
                 </a:solidFill>
@@ -30463,7 +30317,7 @@
               <a:t>-</a:t>
             </a:r>
             <a:r>
-              <a:rPr lang="ko-KR" altLang="en-US" sz="1200" dirty="0" smtClean="0">
+              <a:rPr lang="ko-KR" altLang="en-US" sz="1200" dirty="0">
                 <a:solidFill>
                   <a:srgbClr val="5B6176"/>
                 </a:solidFill>
@@ -30471,7 +30325,7 @@
               <a:t> </a:t>
             </a:r>
             <a:r>
-              <a:rPr lang="en-US" altLang="ko-KR" sz="1200" dirty="0" smtClean="0">
+              <a:rPr lang="en-US" altLang="ko-KR" sz="1200" dirty="0">
                 <a:solidFill>
                   <a:srgbClr val="5B6176"/>
                 </a:solidFill>
@@ -30479,7 +30333,7 @@
               <a:t>C# </a:t>
             </a:r>
             <a:r>
-              <a:rPr lang="ko-KR" altLang="en-US" sz="1200" dirty="0" smtClean="0">
+              <a:rPr lang="ko-KR" altLang="en-US" sz="1200" dirty="0">
                 <a:solidFill>
                   <a:srgbClr val="5B6176"/>
                 </a:solidFill>
@@ -30487,18 +30341,13 @@
               <a:t>프로그래밍</a:t>
             </a:r>
             <a:r>
-              <a:rPr lang="ko-KR" altLang="en-US" sz="900" dirty="0" smtClean="0">
+              <a:rPr lang="ko-KR" altLang="en-US" sz="900" dirty="0">
                 <a:solidFill>
                   <a:srgbClr val="5B6176"/>
                 </a:solidFill>
               </a:rPr>
               <a:t> </a:t>
             </a:r>
-            <a:endParaRPr lang="ko-KR" altLang="en-US" sz="900" dirty="0">
-              <a:solidFill>
-                <a:srgbClr val="5B6176"/>
-              </a:solidFill>
-            </a:endParaRPr>
           </a:p>
         </p:txBody>
       </p:sp>
@@ -30602,13 +30451,6 @@
   <p:clrMapOvr>
     <a:masterClrMapping/>
   </p:clrMapOvr>
-  <p:timing>
-    <p:tnLst>
-      <p:par>
-        <p:cTn id="1" dur="indefinite" restart="never" nodeType="tmRoot"/>
-      </p:par>
-    </p:tnLst>
-  </p:timing>
 </p:sld>
 </file>
 
@@ -30813,7 +30655,7 @@
               <a:defRPr/>
             </a:pPr>
             <a:r>
-              <a:rPr lang="ko-KR" altLang="en-US" sz="2000" b="1" i="1" kern="0" dirty="0" smtClean="0">
+              <a:rPr lang="ko-KR" altLang="en-US" sz="2000" b="1" i="1" kern="0" dirty="0">
                 <a:solidFill>
                   <a:srgbClr val="5B6176"/>
                 </a:solidFill>
@@ -31231,18 +31073,13 @@
             <a:p>
               <a:pPr algn="ctr"/>
               <a:r>
-                <a:rPr lang="ko-KR" altLang="en-US" dirty="0" smtClean="0">
+                <a:rPr lang="ko-KR" altLang="en-US" dirty="0">
                   <a:solidFill>
                     <a:schemeClr val="bg1"/>
                   </a:solidFill>
                 </a:rPr>
                 <a:t>메인</a:t>
               </a:r>
-              <a:endParaRPr lang="ko-KR" altLang="en-US" dirty="0">
-                <a:solidFill>
-                  <a:schemeClr val="bg1"/>
-                </a:solidFill>
-              </a:endParaRPr>
             </a:p>
           </p:txBody>
         </p:sp>
@@ -31332,18 +31169,13 @@
             <a:p>
               <a:pPr algn="ctr"/>
               <a:r>
-                <a:rPr lang="ko-KR" altLang="en-US" dirty="0" smtClean="0">
+                <a:rPr lang="ko-KR" altLang="en-US" dirty="0">
                   <a:solidFill>
                     <a:schemeClr val="bg1"/>
                   </a:solidFill>
                 </a:rPr>
                 <a:t>추첨</a:t>
               </a:r>
-              <a:endParaRPr lang="ko-KR" altLang="en-US" dirty="0">
-                <a:solidFill>
-                  <a:schemeClr val="bg1"/>
-                </a:solidFill>
-              </a:endParaRPr>
             </a:p>
           </p:txBody>
         </p:sp>
@@ -31433,18 +31265,13 @@
             <a:p>
               <a:pPr algn="ctr"/>
               <a:r>
-                <a:rPr lang="ko-KR" altLang="en-US" dirty="0" smtClean="0">
+                <a:rPr lang="ko-KR" altLang="en-US" dirty="0">
                   <a:solidFill>
                     <a:schemeClr val="bg1"/>
                   </a:solidFill>
                 </a:rPr>
                 <a:t>조회</a:t>
               </a:r>
-              <a:endParaRPr lang="ko-KR" altLang="en-US" dirty="0">
-                <a:solidFill>
-                  <a:schemeClr val="bg1"/>
-                </a:solidFill>
-              </a:endParaRPr>
             </a:p>
           </p:txBody>
         </p:sp>
@@ -31854,14 +31681,14 @@
               <a:p>
                 <a:pPr algn="ctr"/>
                 <a:r>
-                  <a:rPr lang="ko-KR" altLang="en-US" sz="1100" dirty="0" smtClean="0">
+                  <a:rPr lang="ko-KR" altLang="en-US" sz="1100" dirty="0">
                     <a:solidFill>
                       <a:schemeClr val="bg1"/>
                     </a:solidFill>
                   </a:rPr>
                   <a:t>엑셀 파일</a:t>
                 </a:r>
-                <a:endParaRPr lang="en-US" altLang="ko-KR" sz="1100" dirty="0" smtClean="0">
+                <a:endParaRPr lang="en-US" altLang="ko-KR" sz="1100" dirty="0">
                   <a:solidFill>
                     <a:schemeClr val="bg1"/>
                   </a:solidFill>
@@ -31870,18 +31697,13 @@
               <a:p>
                 <a:pPr algn="ctr"/>
                 <a:r>
-                  <a:rPr lang="ko-KR" altLang="en-US" sz="1100" dirty="0" smtClean="0">
+                  <a:rPr lang="ko-KR" altLang="en-US" sz="1100" dirty="0">
                     <a:solidFill>
                       <a:schemeClr val="bg1"/>
                     </a:solidFill>
                   </a:rPr>
                   <a:t>연결</a:t>
                 </a:r>
-                <a:endParaRPr lang="ko-KR" altLang="en-US" sz="1100" dirty="0">
-                  <a:solidFill>
-                    <a:schemeClr val="bg1"/>
-                  </a:solidFill>
-                </a:endParaRPr>
               </a:p>
             </p:txBody>
           </p:sp>
@@ -31976,18 +31798,13 @@
               <a:p>
                 <a:pPr algn="ctr"/>
                 <a:r>
-                  <a:rPr lang="ko-KR" altLang="en-US" sz="1100" dirty="0" smtClean="0">
+                  <a:rPr lang="ko-KR" altLang="en-US" sz="1100" dirty="0">
                     <a:solidFill>
                       <a:schemeClr val="bg1"/>
                     </a:solidFill>
                   </a:rPr>
                   <a:t>링크 연결</a:t>
                 </a:r>
-                <a:endParaRPr lang="ko-KR" altLang="en-US" sz="1100" dirty="0">
-                  <a:solidFill>
-                    <a:schemeClr val="bg1"/>
-                  </a:solidFill>
-                </a:endParaRPr>
               </a:p>
             </p:txBody>
           </p:sp>
@@ -32148,18 +31965,13 @@
               <a:p>
                 <a:pPr algn="ctr"/>
                 <a:r>
-                  <a:rPr lang="ko-KR" altLang="en-US" sz="1100" dirty="0" smtClean="0">
+                  <a:rPr lang="ko-KR" altLang="en-US" sz="1100" dirty="0">
                     <a:solidFill>
                       <a:schemeClr val="bg1"/>
                     </a:solidFill>
                   </a:rPr>
                   <a:t>링크 연결</a:t>
                 </a:r>
-                <a:endParaRPr lang="ko-KR" altLang="en-US" sz="1100" dirty="0">
-                  <a:solidFill>
-                    <a:schemeClr val="bg1"/>
-                  </a:solidFill>
-                </a:endParaRPr>
               </a:p>
             </p:txBody>
           </p:sp>
@@ -32190,18 +32002,13 @@
             <a:p>
               <a:pPr algn="ctr"/>
               <a:r>
-                <a:rPr lang="ko-KR" altLang="en-US" sz="1100" dirty="0" smtClean="0">
+                <a:rPr lang="ko-KR" altLang="en-US" sz="1100" dirty="0">
                   <a:solidFill>
                     <a:schemeClr val="bg1"/>
                   </a:solidFill>
                 </a:rPr>
                 <a:t>다음 창 연결</a:t>
               </a:r>
-              <a:endParaRPr lang="ko-KR" altLang="en-US" sz="1100" dirty="0">
-                <a:solidFill>
-                  <a:schemeClr val="bg1"/>
-                </a:solidFill>
-              </a:endParaRPr>
             </a:p>
           </p:txBody>
         </p:sp>
@@ -32324,18 +32131,13 @@
                 <a:p>
                   <a:pPr algn="ctr"/>
                   <a:r>
-                    <a:rPr lang="ko-KR" altLang="en-US" sz="1100" dirty="0" smtClean="0">
+                    <a:rPr lang="ko-KR" altLang="en-US" sz="1100" dirty="0">
                       <a:solidFill>
                         <a:schemeClr val="bg1"/>
                       </a:solidFill>
                     </a:rPr>
                     <a:t>번호 추첨</a:t>
                   </a:r>
-                  <a:endParaRPr lang="ko-KR" altLang="en-US" sz="1100" dirty="0">
-                    <a:solidFill>
-                      <a:schemeClr val="bg1"/>
-                    </a:solidFill>
-                  </a:endParaRPr>
                 </a:p>
               </p:txBody>
             </p:sp>
@@ -32418,18 +32220,13 @@
             <a:p>
               <a:pPr algn="ctr"/>
               <a:r>
-                <a:rPr lang="ko-KR" altLang="en-US" sz="1100" dirty="0" smtClean="0">
+                <a:rPr lang="ko-KR" altLang="en-US" sz="1100" dirty="0">
                   <a:solidFill>
                     <a:schemeClr val="bg1"/>
                   </a:solidFill>
                 </a:rPr>
                 <a:t>다음 창 연결</a:t>
               </a:r>
-              <a:endParaRPr lang="ko-KR" altLang="en-US" sz="1100" dirty="0">
-                <a:solidFill>
-                  <a:schemeClr val="bg1"/>
-                </a:solidFill>
-              </a:endParaRPr>
             </a:p>
           </p:txBody>
         </p:sp>
@@ -32444,13 +32241,6 @@
   <p:clrMapOvr>
     <a:masterClrMapping/>
   </p:clrMapOvr>
-  <p:timing>
-    <p:tnLst>
-      <p:par>
-        <p:cTn id="1" dur="indefinite" restart="never" nodeType="tmRoot"/>
-      </p:par>
-    </p:tnLst>
-  </p:timing>
 </p:sld>
 </file>
 
@@ -32647,7 +32437,7 @@
               <a:defRPr/>
             </a:pPr>
             <a:r>
-              <a:rPr lang="ko-KR" altLang="en-US" sz="2000" b="1" i="1" kern="0" dirty="0" smtClean="0">
+              <a:rPr lang="ko-KR" altLang="en-US" sz="2000" b="1" i="1" kern="0" dirty="0">
                 <a:solidFill>
                   <a:srgbClr val="5B6176"/>
                 </a:solidFill>
@@ -32655,7 +32445,7 @@
               <a:t>알고리즘</a:t>
             </a:r>
             <a:r>
-              <a:rPr lang="en-US" altLang="ko-KR" sz="2000" b="1" i="1" kern="0" dirty="0" smtClean="0">
+              <a:rPr lang="en-US" altLang="ko-KR" sz="2000" b="1" i="1" kern="0" dirty="0">
                 <a:solidFill>
                   <a:srgbClr val="5B6176"/>
                 </a:solidFill>
@@ -32663,7 +32453,7 @@
               <a:t>, </a:t>
             </a:r>
             <a:r>
-              <a:rPr lang="ko-KR" altLang="en-US" sz="2000" b="1" i="1" kern="0" dirty="0" smtClean="0">
+              <a:rPr lang="ko-KR" altLang="en-US" sz="2000" b="1" i="1" kern="0" dirty="0">
                 <a:solidFill>
                   <a:srgbClr val="5B6176"/>
                 </a:solidFill>
@@ -33090,7 +32880,7 @@
                         <a:defRPr/>
                       </a:pPr>
                       <a:r>
-                        <a:rPr kumimoji="0" lang="ko-KR" altLang="en-US" sz="1400" b="1" i="0" u="none" strike="noStrike" kern="1200" cap="none" spc="0" normalizeH="0" baseline="0" noProof="0" dirty="0" smtClean="0">
+                        <a:rPr kumimoji="0" lang="ko-KR" altLang="en-US" sz="1400" b="1" i="0" u="none" strike="noStrike" kern="1200" cap="none" spc="0" normalizeH="0" baseline="0" noProof="0" dirty="0">
                           <a:ln>
                             <a:noFill/>
                           </a:ln>
@@ -33144,18 +32934,13 @@
                     <a:p>
                       <a:pPr algn="ctr" latinLnBrk="1"/>
                       <a:r>
-                        <a:rPr lang="ko-KR" altLang="en-US" sz="1400" dirty="0" smtClean="0">
+                        <a:rPr lang="ko-KR" altLang="en-US" sz="1400" dirty="0">
                           <a:solidFill>
                             <a:srgbClr val="5B6176"/>
                           </a:solidFill>
                         </a:rPr>
                         <a:t>내용</a:t>
                       </a:r>
-                      <a:endParaRPr lang="ko-KR" altLang="en-US" sz="1400" dirty="0">
-                        <a:solidFill>
-                          <a:srgbClr val="5B6176"/>
-                        </a:solidFill>
-                      </a:endParaRPr>
                     </a:p>
                   </a:txBody>
                   <a:tcPr anchor="ctr">
@@ -33216,7 +33001,7 @@
                         <a:defRPr/>
                       </a:pPr>
                       <a:r>
-                        <a:rPr kumimoji="0" lang="en-US" altLang="ko-KR" sz="1050" b="0" i="0" u="none" strike="noStrike" kern="1200" cap="none" spc="0" normalizeH="0" baseline="0" noProof="0" dirty="0" smtClean="0">
+                        <a:rPr kumimoji="0" lang="en-US" altLang="ko-KR" sz="1050" b="0" i="0" u="none" strike="noStrike" kern="1200" cap="none" spc="0" normalizeH="0" baseline="0" noProof="0" dirty="0">
                           <a:ln>
                             <a:noFill/>
                           </a:ln>
@@ -33236,7 +33021,7 @@
                         <a:t>1. </a:t>
                       </a:r>
                       <a:r>
-                        <a:rPr kumimoji="0" lang="ko-KR" altLang="en-US" sz="1050" b="0" i="0" u="none" strike="noStrike" kern="1200" cap="none" spc="0" normalizeH="0" baseline="0" noProof="0" dirty="0" smtClean="0">
+                        <a:rPr kumimoji="0" lang="ko-KR" altLang="en-US" sz="1050" b="0" i="0" u="none" strike="noStrike" kern="1200" cap="none" spc="0" normalizeH="0" baseline="0" noProof="0" dirty="0">
                           <a:ln>
                             <a:noFill/>
                           </a:ln>
@@ -33316,7 +33101,7 @@
                         <a:defRPr/>
                       </a:pPr>
                       <a:r>
-                        <a:rPr kumimoji="0" lang="ko-KR" altLang="en-US" sz="1050" b="0" i="0" u="none" strike="noStrike" kern="1200" cap="none" spc="0" normalizeH="0" baseline="0" noProof="0" dirty="0" smtClean="0">
+                        <a:rPr kumimoji="0" lang="ko-KR" altLang="en-US" sz="1050" b="0" i="0" u="none" strike="noStrike" kern="1200" cap="none" spc="0" normalizeH="0" baseline="0" noProof="0" dirty="0">
                           <a:ln>
                             <a:noFill/>
                           </a:ln>
@@ -33336,7 +33121,7 @@
                         <a:t>동일한 숫자가 출력되지 않도록 설정하였습니다</a:t>
                       </a:r>
                       <a:r>
-                        <a:rPr kumimoji="0" lang="en-US" altLang="ko-KR" sz="1050" b="0" i="0" u="none" strike="noStrike" kern="1200" cap="none" spc="0" normalizeH="0" baseline="0" noProof="0" dirty="0" smtClean="0">
+                        <a:rPr kumimoji="0" lang="en-US" altLang="ko-KR" sz="1050" b="0" i="0" u="none" strike="noStrike" kern="1200" cap="none" spc="0" normalizeH="0" baseline="0" noProof="0" dirty="0">
                           <a:ln>
                             <a:noFill/>
                           </a:ln>
@@ -33355,7 +33140,7 @@
                         </a:rPr>
                         <a:t>.</a:t>
                       </a:r>
-                      <a:endParaRPr kumimoji="0" lang="ko-KR" altLang="en-US" sz="1050" b="0" i="0" u="none" strike="noStrike" kern="1200" cap="none" spc="0" normalizeH="0" baseline="0" noProof="0" dirty="0" smtClean="0">
+                      <a:endParaRPr kumimoji="0" lang="ko-KR" altLang="en-US" sz="1050" b="0" i="0" u="none" strike="noStrike" kern="1200" cap="none" spc="0" normalizeH="0" baseline="0" noProof="0" dirty="0">
                         <a:ln>
                           <a:noFill/>
                         </a:ln>
@@ -33440,7 +33225,7 @@
                         <a:defRPr/>
                       </a:pPr>
                       <a:r>
-                        <a:rPr kumimoji="0" lang="en-US" altLang="ko-KR" sz="1050" b="0" i="0" u="none" strike="noStrike" kern="1200" cap="none" spc="0" normalizeH="0" baseline="0" noProof="0" dirty="0" smtClean="0">
+                        <a:rPr kumimoji="0" lang="en-US" altLang="ko-KR" sz="1050" b="0" i="0" u="none" strike="noStrike" kern="1200" cap="none" spc="0" normalizeH="0" baseline="0" noProof="0" dirty="0">
                           <a:ln>
                             <a:noFill/>
                           </a:ln>
@@ -33460,7 +33245,7 @@
                         <a:t>2. </a:t>
                       </a:r>
                       <a:r>
-                        <a:rPr kumimoji="0" lang="ko-KR" altLang="en-US" sz="1050" b="0" i="0" u="none" strike="noStrike" kern="1200" cap="none" spc="0" normalizeH="0" baseline="0" noProof="0" dirty="0" smtClean="0">
+                        <a:rPr kumimoji="0" lang="ko-KR" altLang="en-US" sz="1050" b="0" i="0" u="none" strike="noStrike" kern="1200" cap="none" spc="0" normalizeH="0" baseline="0" noProof="0" dirty="0">
                           <a:ln>
                             <a:noFill/>
                           </a:ln>
@@ -33544,7 +33329,7 @@
                         <a:defRPr/>
                       </a:pPr>
                       <a:r>
-                        <a:rPr kumimoji="0" lang="en-US" altLang="ko-KR" sz="1050" b="0" i="0" u="none" strike="noStrike" kern="1200" cap="none" spc="0" normalizeH="0" baseline="0" noProof="0" dirty="0" smtClean="0">
+                        <a:rPr kumimoji="0" lang="en-US" altLang="ko-KR" sz="1050" b="0" i="0" u="none" strike="noStrike" kern="1200" cap="none" spc="0" normalizeH="0" baseline="0" noProof="0" dirty="0">
                           <a:ln>
                             <a:noFill/>
                           </a:ln>
@@ -33564,7 +33349,7 @@
                         <a:t>1 ~ 34 </a:t>
                       </a:r>
                       <a:r>
-                        <a:rPr kumimoji="0" lang="ko-KR" altLang="en-US" sz="1050" b="0" i="0" u="none" strike="noStrike" kern="1200" cap="none" spc="0" normalizeH="0" baseline="0" noProof="0" dirty="0" smtClean="0">
+                        <a:rPr kumimoji="0" lang="ko-KR" altLang="en-US" sz="1050" b="0" i="0" u="none" strike="noStrike" kern="1200" cap="none" spc="0" normalizeH="0" baseline="0" noProof="0" dirty="0">
                           <a:ln>
                             <a:noFill/>
                           </a:ln>
@@ -33584,7 +33369,7 @@
                         <a:t>사이의 숫자가 출력되도록 설정하였습니다</a:t>
                       </a:r>
                       <a:r>
-                        <a:rPr kumimoji="0" lang="en-US" altLang="ko-KR" sz="1050" b="0" i="0" u="none" strike="noStrike" kern="1200" cap="none" spc="0" normalizeH="0" baseline="0" noProof="0" dirty="0" smtClean="0">
+                        <a:rPr kumimoji="0" lang="en-US" altLang="ko-KR" sz="1050" b="0" i="0" u="none" strike="noStrike" kern="1200" cap="none" spc="0" normalizeH="0" baseline="0" noProof="0" dirty="0">
                           <a:ln>
                             <a:noFill/>
                           </a:ln>
@@ -33603,7 +33388,7 @@
                         </a:rPr>
                         <a:t>.</a:t>
                       </a:r>
-                      <a:endParaRPr kumimoji="0" lang="ko-KR" altLang="en-US" sz="1050" b="0" i="0" u="none" strike="noStrike" kern="1200" cap="none" spc="0" normalizeH="0" baseline="0" noProof="0" dirty="0" smtClean="0">
+                      <a:endParaRPr kumimoji="0" lang="ko-KR" altLang="en-US" sz="1050" b="0" i="0" u="none" strike="noStrike" kern="1200" cap="none" spc="0" normalizeH="0" baseline="0" noProof="0" dirty="0">
                         <a:ln>
                           <a:noFill/>
                         </a:ln>
@@ -33692,7 +33477,7 @@
                         <a:defRPr/>
                       </a:pPr>
                       <a:r>
-                        <a:rPr kumimoji="0" lang="en-US" altLang="ko-KR" sz="1050" b="0" i="0" u="none" strike="noStrike" kern="1200" cap="none" spc="0" normalizeH="0" baseline="0" noProof="0" dirty="0" smtClean="0">
+                        <a:rPr kumimoji="0" lang="en-US" altLang="ko-KR" sz="1050" b="0" i="0" u="none" strike="noStrike" kern="1200" cap="none" spc="0" normalizeH="0" baseline="0" noProof="0" dirty="0">
                           <a:ln>
                             <a:noFill/>
                           </a:ln>
@@ -33712,7 +33497,7 @@
                         <a:t>3. </a:t>
                       </a:r>
                       <a:r>
-                        <a:rPr kumimoji="0" lang="ko-KR" altLang="en-US" sz="1050" b="0" i="0" u="none" strike="noStrike" kern="1200" cap="none" spc="0" normalizeH="0" baseline="0" noProof="0" dirty="0" smtClean="0">
+                        <a:rPr kumimoji="0" lang="ko-KR" altLang="en-US" sz="1050" b="0" i="0" u="none" strike="noStrike" kern="1200" cap="none" spc="0" normalizeH="0" baseline="0" noProof="0" dirty="0">
                           <a:ln>
                             <a:noFill/>
                           </a:ln>
@@ -33796,7 +33581,7 @@
                         <a:defRPr/>
                       </a:pPr>
                       <a:r>
-                        <a:rPr kumimoji="0" lang="en-US" altLang="ko-KR" sz="1050" b="0" i="0" u="none" strike="noStrike" kern="1200" cap="none" spc="0" normalizeH="0" baseline="0" noProof="0" dirty="0" smtClean="0">
+                        <a:rPr kumimoji="0" lang="en-US" altLang="ko-KR" sz="1050" b="0" i="0" u="none" strike="noStrike" kern="1200" cap="none" spc="0" normalizeH="0" baseline="0" noProof="0" dirty="0">
                           <a:ln>
                             <a:noFill/>
                           </a:ln>
@@ -33816,7 +33601,7 @@
                         <a:t>2 ~ 36 </a:t>
                       </a:r>
                       <a:r>
-                        <a:rPr kumimoji="0" lang="ko-KR" altLang="en-US" sz="1050" b="0" i="0" u="none" strike="noStrike" kern="1200" cap="none" spc="0" normalizeH="0" baseline="0" noProof="0" dirty="0" smtClean="0">
+                        <a:rPr kumimoji="0" lang="ko-KR" altLang="en-US" sz="1050" b="0" i="0" u="none" strike="noStrike" kern="1200" cap="none" spc="0" normalizeH="0" baseline="0" noProof="0" dirty="0">
                           <a:ln>
                             <a:noFill/>
                           </a:ln>
@@ -33836,7 +33621,7 @@
                         <a:t>사이의 숫자가 출력되도록 설정하였습니다</a:t>
                       </a:r>
                       <a:r>
-                        <a:rPr kumimoji="0" lang="en-US" altLang="ko-KR" sz="1050" b="0" i="0" u="none" strike="noStrike" kern="1200" cap="none" spc="0" normalizeH="0" baseline="0" noProof="0" dirty="0" smtClean="0">
+                        <a:rPr kumimoji="0" lang="en-US" altLang="ko-KR" sz="1050" b="0" i="0" u="none" strike="noStrike" kern="1200" cap="none" spc="0" normalizeH="0" baseline="0" noProof="0" dirty="0">
                           <a:ln>
                             <a:noFill/>
                           </a:ln>
@@ -33855,7 +33640,7 @@
                         </a:rPr>
                         <a:t>.</a:t>
                       </a:r>
-                      <a:endParaRPr kumimoji="0" lang="ko-KR" altLang="en-US" sz="1050" b="0" i="0" u="none" strike="noStrike" kern="1200" cap="none" spc="0" normalizeH="0" baseline="0" noProof="0" dirty="0" smtClean="0">
+                      <a:endParaRPr kumimoji="0" lang="ko-KR" altLang="en-US" sz="1050" b="0" i="0" u="none" strike="noStrike" kern="1200" cap="none" spc="0" normalizeH="0" baseline="0" noProof="0" dirty="0">
                         <a:ln>
                           <a:noFill/>
                         </a:ln>
@@ -33944,7 +33729,7 @@
                         <a:defRPr/>
                       </a:pPr>
                       <a:r>
-                        <a:rPr kumimoji="0" lang="en-US" altLang="ko-KR" sz="1050" b="0" i="0" u="none" strike="noStrike" kern="1200" cap="none" spc="0" normalizeH="0" baseline="0" noProof="0" dirty="0" smtClean="0">
+                        <a:rPr kumimoji="0" lang="en-US" altLang="ko-KR" sz="1050" b="0" i="0" u="none" strike="noStrike" kern="1200" cap="none" spc="0" normalizeH="0" baseline="0" noProof="0" dirty="0">
                           <a:ln>
                             <a:noFill/>
                           </a:ln>
@@ -33964,7 +33749,7 @@
                         <a:t>4. </a:t>
                       </a:r>
                       <a:r>
-                        <a:rPr kumimoji="0" lang="ko-KR" altLang="en-US" sz="1050" b="0" i="0" u="none" strike="noStrike" kern="1200" cap="none" spc="0" normalizeH="0" baseline="0" noProof="0" dirty="0" smtClean="0">
+                        <a:rPr kumimoji="0" lang="ko-KR" altLang="en-US" sz="1050" b="0" i="0" u="none" strike="noStrike" kern="1200" cap="none" spc="0" normalizeH="0" baseline="0" noProof="0" dirty="0">
                           <a:ln>
                             <a:noFill/>
                           </a:ln>
@@ -34048,7 +33833,7 @@
                         <a:defRPr/>
                       </a:pPr>
                       <a:r>
-                        <a:rPr kumimoji="0" lang="en-US" altLang="ko-KR" sz="1050" b="0" i="0" u="none" strike="noStrike" kern="1200" cap="none" spc="0" normalizeH="0" baseline="0" noProof="0" dirty="0" smtClean="0">
+                        <a:rPr kumimoji="0" lang="en-US" altLang="ko-KR" sz="1050" b="0" i="0" u="none" strike="noStrike" kern="1200" cap="none" spc="0" normalizeH="0" baseline="0" noProof="0" dirty="0">
                           <a:ln>
                             <a:noFill/>
                           </a:ln>
@@ -34068,7 +33853,7 @@
                         <a:t>3 ~ 39 </a:t>
                       </a:r>
                       <a:r>
-                        <a:rPr kumimoji="0" lang="ko-KR" altLang="en-US" sz="1050" b="0" i="0" u="none" strike="noStrike" kern="1200" cap="none" spc="0" normalizeH="0" baseline="0" noProof="0" dirty="0" smtClean="0">
+                        <a:rPr kumimoji="0" lang="ko-KR" altLang="en-US" sz="1050" b="0" i="0" u="none" strike="noStrike" kern="1200" cap="none" spc="0" normalizeH="0" baseline="0" noProof="0" dirty="0">
                           <a:ln>
                             <a:noFill/>
                           </a:ln>
@@ -34088,7 +33873,7 @@
                         <a:t>사이의 숫자가 출력되도록 설정하였습니다</a:t>
                       </a:r>
                       <a:r>
-                        <a:rPr kumimoji="0" lang="en-US" altLang="ko-KR" sz="1050" b="0" i="0" u="none" strike="noStrike" kern="1200" cap="none" spc="0" normalizeH="0" baseline="0" noProof="0" dirty="0" smtClean="0">
+                        <a:rPr kumimoji="0" lang="en-US" altLang="ko-KR" sz="1050" b="0" i="0" u="none" strike="noStrike" kern="1200" cap="none" spc="0" normalizeH="0" baseline="0" noProof="0" dirty="0">
                           <a:ln>
                             <a:noFill/>
                           </a:ln>
@@ -34107,7 +33892,7 @@
                         </a:rPr>
                         <a:t>.</a:t>
                       </a:r>
-                      <a:endParaRPr kumimoji="0" lang="ko-KR" altLang="en-US" sz="1050" b="0" i="0" u="none" strike="noStrike" kern="1200" cap="none" spc="0" normalizeH="0" baseline="0" noProof="0" dirty="0" smtClean="0">
+                      <a:endParaRPr kumimoji="0" lang="ko-KR" altLang="en-US" sz="1050" b="0" i="0" u="none" strike="noStrike" kern="1200" cap="none" spc="0" normalizeH="0" baseline="0" noProof="0" dirty="0">
                         <a:ln>
                           <a:noFill/>
                         </a:ln>
@@ -34196,7 +33981,7 @@
                         <a:defRPr/>
                       </a:pPr>
                       <a:r>
-                        <a:rPr kumimoji="0" lang="en-US" altLang="ko-KR" sz="1050" b="0" i="0" u="none" strike="noStrike" kern="1200" cap="none" spc="0" normalizeH="0" baseline="0" noProof="0" dirty="0" smtClean="0">
+                        <a:rPr kumimoji="0" lang="en-US" altLang="ko-KR" sz="1050" b="0" i="0" u="none" strike="noStrike" kern="1200" cap="none" spc="0" normalizeH="0" baseline="0" noProof="0" dirty="0">
                           <a:ln>
                             <a:noFill/>
                           </a:ln>
@@ -34216,7 +34001,7 @@
                         <a:t>5. </a:t>
                       </a:r>
                       <a:r>
-                        <a:rPr kumimoji="0" lang="ko-KR" altLang="en-US" sz="1050" b="0" i="0" u="none" strike="noStrike" kern="1200" cap="none" spc="0" normalizeH="0" baseline="0" noProof="0" dirty="0" smtClean="0">
+                        <a:rPr kumimoji="0" lang="ko-KR" altLang="en-US" sz="1050" b="0" i="0" u="none" strike="noStrike" kern="1200" cap="none" spc="0" normalizeH="0" baseline="0" noProof="0" dirty="0">
                           <a:ln>
                             <a:noFill/>
                           </a:ln>
@@ -34300,7 +34085,7 @@
                         <a:defRPr/>
                       </a:pPr>
                       <a:r>
-                        <a:rPr kumimoji="0" lang="ko-KR" altLang="en-US" sz="1050" b="0" i="0" u="none" strike="noStrike" kern="1200" cap="none" spc="0" normalizeH="0" baseline="0" noProof="0" dirty="0" smtClean="0">
+                        <a:rPr kumimoji="0" lang="ko-KR" altLang="en-US" sz="1050" b="0" i="0" u="none" strike="noStrike" kern="1200" cap="none" spc="0" normalizeH="0" baseline="0" noProof="0" dirty="0">
                           <a:ln>
                             <a:noFill/>
                           </a:ln>
@@ -34320,7 +34105,7 @@
                         <a:t>첫 번째</a:t>
                       </a:r>
                       <a:r>
-                        <a:rPr kumimoji="0" lang="en-US" altLang="ko-KR" sz="1050" b="0" i="0" u="none" strike="noStrike" kern="1200" cap="none" spc="0" normalizeH="0" baseline="0" noProof="0" dirty="0" smtClean="0">
+                        <a:rPr kumimoji="0" lang="en-US" altLang="ko-KR" sz="1050" b="0" i="0" u="none" strike="noStrike" kern="1200" cap="none" spc="0" normalizeH="0" baseline="0" noProof="0" dirty="0">
                           <a:ln>
                             <a:noFill/>
                           </a:ln>
@@ -34340,7 +34125,7 @@
                         <a:t>, </a:t>
                       </a:r>
                       <a:r>
-                        <a:rPr kumimoji="0" lang="ko-KR" altLang="en-US" sz="1050" b="0" i="0" u="none" strike="noStrike" kern="1200" cap="none" spc="0" normalizeH="0" baseline="0" noProof="0" dirty="0" smtClean="0">
+                        <a:rPr kumimoji="0" lang="ko-KR" altLang="en-US" sz="1050" b="0" i="0" u="none" strike="noStrike" kern="1200" cap="none" spc="0" normalizeH="0" baseline="0" noProof="0" dirty="0">
                           <a:ln>
                             <a:noFill/>
                           </a:ln>
@@ -34360,7 +34145,7 @@
                         <a:t>두 번째</a:t>
                       </a:r>
                       <a:r>
-                        <a:rPr kumimoji="0" lang="en-US" altLang="ko-KR" sz="1050" b="0" i="0" u="none" strike="noStrike" kern="1200" cap="none" spc="0" normalizeH="0" baseline="0" noProof="0" dirty="0" smtClean="0">
+                        <a:rPr kumimoji="0" lang="en-US" altLang="ko-KR" sz="1050" b="0" i="0" u="none" strike="noStrike" kern="1200" cap="none" spc="0" normalizeH="0" baseline="0" noProof="0" dirty="0">
                           <a:ln>
                             <a:noFill/>
                           </a:ln>
@@ -34380,7 +34165,7 @@
                         <a:t>, </a:t>
                       </a:r>
                       <a:r>
-                        <a:rPr kumimoji="0" lang="ko-KR" altLang="en-US" sz="1050" b="0" i="0" u="none" strike="noStrike" kern="1200" cap="none" spc="0" normalizeH="0" baseline="0" noProof="0" dirty="0" smtClean="0">
+                        <a:rPr kumimoji="0" lang="ko-KR" altLang="en-US" sz="1050" b="0" i="0" u="none" strike="noStrike" kern="1200" cap="none" spc="0" normalizeH="0" baseline="0" noProof="0" dirty="0">
                           <a:ln>
                             <a:noFill/>
                           </a:ln>
@@ -34400,7 +34185,7 @@
                         <a:t>세 번째 자리의 범위와 비슷하게 설정하였습니다</a:t>
                       </a:r>
                       <a:r>
-                        <a:rPr kumimoji="0" lang="en-US" altLang="ko-KR" sz="1050" b="0" i="0" u="none" strike="noStrike" kern="1200" cap="none" spc="0" normalizeH="0" baseline="0" noProof="0" dirty="0" smtClean="0">
+                        <a:rPr kumimoji="0" lang="en-US" altLang="ko-KR" sz="1050" b="0" i="0" u="none" strike="noStrike" kern="1200" cap="none" spc="0" normalizeH="0" baseline="0" noProof="0" dirty="0">
                           <a:ln>
                             <a:noFill/>
                           </a:ln>
@@ -34419,7 +34204,7 @@
                         </a:rPr>
                         <a:t>.</a:t>
                       </a:r>
-                      <a:endParaRPr kumimoji="0" lang="ko-KR" altLang="en-US" sz="1050" b="0" i="0" u="none" strike="noStrike" kern="1200" cap="none" spc="0" normalizeH="0" baseline="0" noProof="0" dirty="0" smtClean="0">
+                      <a:endParaRPr kumimoji="0" lang="ko-KR" altLang="en-US" sz="1050" b="0" i="0" u="none" strike="noStrike" kern="1200" cap="none" spc="0" normalizeH="0" baseline="0" noProof="0" dirty="0">
                         <a:ln>
                           <a:noFill/>
                         </a:ln>
@@ -34508,7 +34293,7 @@
                         <a:defRPr/>
                       </a:pPr>
                       <a:r>
-                        <a:rPr kumimoji="0" lang="en-US" altLang="ko-KR" sz="1050" b="0" i="0" u="none" strike="noStrike" kern="1200" cap="none" spc="0" normalizeH="0" baseline="0" noProof="0" dirty="0" smtClean="0">
+                        <a:rPr kumimoji="0" lang="en-US" altLang="ko-KR" sz="1050" b="0" i="0" u="none" strike="noStrike" kern="1200" cap="none" spc="0" normalizeH="0" baseline="0" noProof="0" dirty="0">
                           <a:ln>
                             <a:noFill/>
                           </a:ln>
@@ -34528,7 +34313,7 @@
                         <a:t>6. </a:t>
                       </a:r>
                       <a:r>
-                        <a:rPr kumimoji="0" lang="ko-KR" altLang="en-US" sz="1050" b="0" i="0" u="none" strike="noStrike" kern="1200" cap="none" spc="0" normalizeH="0" baseline="0" noProof="0" dirty="0" smtClean="0">
+                        <a:rPr kumimoji="0" lang="ko-KR" altLang="en-US" sz="1050" b="0" i="0" u="none" strike="noStrike" kern="1200" cap="none" spc="0" normalizeH="0" baseline="0" noProof="0" dirty="0">
                           <a:ln>
                             <a:noFill/>
                           </a:ln>
@@ -34612,7 +34397,7 @@
                         <a:defRPr/>
                       </a:pPr>
                       <a:r>
-                        <a:rPr kumimoji="0" lang="ko-KR" altLang="en-US" sz="1050" b="0" i="0" u="none" strike="noStrike" kern="1200" cap="none" spc="0" normalizeH="0" baseline="0" noProof="0" dirty="0" smtClean="0">
+                        <a:rPr kumimoji="0" lang="ko-KR" altLang="en-US" sz="1050" b="0" i="0" u="none" strike="noStrike" kern="1200" cap="none" spc="0" normalizeH="0" baseline="0" noProof="0" dirty="0">
                           <a:ln>
                             <a:noFill/>
                           </a:ln>
@@ -34632,7 +34417,7 @@
                         <a:t>전체의 합이 </a:t>
                       </a:r>
                       <a:r>
-                        <a:rPr kumimoji="0" lang="en-US" altLang="ko-KR" sz="1050" b="0" i="0" u="none" strike="noStrike" kern="1200" cap="none" spc="0" normalizeH="0" baseline="0" noProof="0" dirty="0" smtClean="0">
+                        <a:rPr kumimoji="0" lang="en-US" altLang="ko-KR" sz="1050" b="0" i="0" u="none" strike="noStrike" kern="1200" cap="none" spc="0" normalizeH="0" baseline="0" noProof="0" dirty="0">
                           <a:ln>
                             <a:noFill/>
                           </a:ln>
@@ -34652,7 +34437,7 @@
                         <a:t>48</a:t>
                       </a:r>
                       <a:r>
-                        <a:rPr kumimoji="0" lang="ko-KR" altLang="en-US" sz="1050" b="0" i="0" u="none" strike="noStrike" kern="1200" cap="none" spc="0" normalizeH="0" baseline="0" noProof="0" dirty="0" smtClean="0">
+                        <a:rPr kumimoji="0" lang="ko-KR" altLang="en-US" sz="1050" b="0" i="0" u="none" strike="noStrike" kern="1200" cap="none" spc="0" normalizeH="0" baseline="0" noProof="0" dirty="0">
                           <a:ln>
                             <a:noFill/>
                           </a:ln>
@@ -34672,7 +34457,7 @@
                         <a:t>보다 작거나 </a:t>
                       </a:r>
                       <a:r>
-                        <a:rPr kumimoji="0" lang="en-US" altLang="ko-KR" sz="1050" b="0" i="0" u="none" strike="noStrike" kern="1200" cap="none" spc="0" normalizeH="0" baseline="0" noProof="0" dirty="0" smtClean="0">
+                        <a:rPr kumimoji="0" lang="en-US" altLang="ko-KR" sz="1050" b="0" i="0" u="none" strike="noStrike" kern="1200" cap="none" spc="0" normalizeH="0" baseline="0" noProof="0" dirty="0">
                           <a:ln>
                             <a:noFill/>
                           </a:ln>
@@ -34692,7 +34477,7 @@
                         <a:t>238</a:t>
                       </a:r>
                       <a:r>
-                        <a:rPr kumimoji="0" lang="ko-KR" altLang="en-US" sz="1050" b="0" i="0" u="none" strike="noStrike" kern="1200" cap="none" spc="0" normalizeH="0" baseline="0" noProof="0" dirty="0" smtClean="0">
+                        <a:rPr kumimoji="0" lang="ko-KR" altLang="en-US" sz="1050" b="0" i="0" u="none" strike="noStrike" kern="1200" cap="none" spc="0" normalizeH="0" baseline="0" noProof="0" dirty="0">
                           <a:ln>
                             <a:noFill/>
                           </a:ln>
@@ -34711,7 +34496,7 @@
                         </a:rPr>
                         <a:t>보다 큰 번호 조합이</a:t>
                       </a:r>
-                      <a:endParaRPr kumimoji="0" lang="en-US" altLang="ko-KR" sz="1050" b="0" i="0" u="none" strike="noStrike" kern="1200" cap="none" spc="0" normalizeH="0" baseline="0" noProof="0" dirty="0" smtClean="0">
+                      <a:endParaRPr kumimoji="0" lang="en-US" altLang="ko-KR" sz="1050" b="0" i="0" u="none" strike="noStrike" kern="1200" cap="none" spc="0" normalizeH="0" baseline="0" noProof="0" dirty="0">
                         <a:ln>
                           <a:noFill/>
                         </a:ln>
@@ -34748,7 +34533,7 @@
                         <a:defRPr/>
                       </a:pPr>
                       <a:r>
-                        <a:rPr kumimoji="0" lang="ko-KR" altLang="en-US" sz="1050" b="0" i="0" u="none" strike="noStrike" kern="1200" cap="none" spc="0" normalizeH="0" baseline="0" noProof="0" dirty="0" smtClean="0">
+                        <a:rPr kumimoji="0" lang="ko-KR" altLang="en-US" sz="1050" b="0" i="0" u="none" strike="noStrike" kern="1200" cap="none" spc="0" normalizeH="0" baseline="0" noProof="0" dirty="0">
                           <a:ln>
                             <a:noFill/>
                           </a:ln>
@@ -34768,7 +34553,7 @@
                         <a:t>없도록 설정하였습니다</a:t>
                       </a:r>
                       <a:r>
-                        <a:rPr kumimoji="0" lang="en-US" altLang="ko-KR" sz="1050" b="0" i="0" u="none" strike="noStrike" kern="1200" cap="none" spc="0" normalizeH="0" baseline="0" noProof="0" dirty="0" smtClean="0">
+                        <a:rPr kumimoji="0" lang="en-US" altLang="ko-KR" sz="1050" b="0" i="0" u="none" strike="noStrike" kern="1200" cap="none" spc="0" normalizeH="0" baseline="0" noProof="0" dirty="0">
                           <a:ln>
                             <a:noFill/>
                           </a:ln>
@@ -34787,7 +34572,7 @@
                         </a:rPr>
                         <a:t>.</a:t>
                       </a:r>
-                      <a:endParaRPr kumimoji="0" lang="ko-KR" altLang="en-US" sz="1050" b="0" i="0" u="none" strike="noStrike" kern="1200" cap="none" spc="0" normalizeH="0" baseline="0" noProof="0" dirty="0" smtClean="0">
+                      <a:endParaRPr kumimoji="0" lang="ko-KR" altLang="en-US" sz="1050" b="0" i="0" u="none" strike="noStrike" kern="1200" cap="none" spc="0" normalizeH="0" baseline="0" noProof="0" dirty="0">
                         <a:ln>
                           <a:noFill/>
                         </a:ln>
@@ -34876,7 +34661,7 @@
                         <a:defRPr/>
                       </a:pPr>
                       <a:r>
-                        <a:rPr kumimoji="0" lang="en-US" altLang="ko-KR" sz="1050" b="0" i="0" u="none" strike="noStrike" kern="1200" cap="none" spc="0" normalizeH="0" baseline="0" noProof="0" dirty="0" smtClean="0">
+                        <a:rPr kumimoji="0" lang="en-US" altLang="ko-KR" sz="1050" b="0" i="0" u="none" strike="noStrike" kern="1200" cap="none" spc="0" normalizeH="0" baseline="0" noProof="0" dirty="0">
                           <a:ln>
                             <a:noFill/>
                           </a:ln>
@@ -34896,7 +34681,7 @@
                         <a:t>7. </a:t>
                       </a:r>
                       <a:r>
-                        <a:rPr kumimoji="0" lang="ko-KR" altLang="en-US" sz="1050" b="0" i="0" u="none" strike="noStrike" kern="1200" cap="none" spc="0" normalizeH="0" baseline="0" noProof="0" dirty="0" smtClean="0">
+                        <a:rPr kumimoji="0" lang="ko-KR" altLang="en-US" sz="1050" b="0" i="0" u="none" strike="noStrike" kern="1200" cap="none" spc="0" normalizeH="0" baseline="0" noProof="0" dirty="0">
                           <a:ln>
                             <a:noFill/>
                           </a:ln>
@@ -34980,7 +34765,7 @@
                         <a:defRPr/>
                       </a:pPr>
                       <a:r>
-                        <a:rPr kumimoji="0" lang="ko-KR" altLang="en-US" sz="1050" b="0" i="0" u="none" strike="noStrike" kern="1200" cap="none" spc="0" normalizeH="0" baseline="0" noProof="0" dirty="0" smtClean="0">
+                        <a:rPr kumimoji="0" lang="ko-KR" altLang="en-US" sz="1050" b="0" i="0" u="none" strike="noStrike" kern="1200" cap="none" spc="0" normalizeH="0" baseline="0" noProof="0" dirty="0">
                           <a:ln>
                             <a:noFill/>
                           </a:ln>
@@ -35000,7 +34785,7 @@
                         <a:t>보너스 번호를 제외한 번호 정렬은 버블 정렬을 사용했습니다</a:t>
                       </a:r>
                       <a:r>
-                        <a:rPr kumimoji="0" lang="en-US" altLang="ko-KR" sz="1050" b="0" i="0" u="none" strike="noStrike" kern="1200" cap="none" spc="0" normalizeH="0" baseline="0" noProof="0" dirty="0" smtClean="0">
+                        <a:rPr kumimoji="0" lang="en-US" altLang="ko-KR" sz="1050" b="0" i="0" u="none" strike="noStrike" kern="1200" cap="none" spc="0" normalizeH="0" baseline="0" noProof="0" dirty="0">
                           <a:ln>
                             <a:noFill/>
                           </a:ln>
@@ -35019,7 +34804,7 @@
                         </a:rPr>
                         <a:t>.</a:t>
                       </a:r>
-                      <a:endParaRPr kumimoji="0" lang="ko-KR" altLang="en-US" sz="1050" b="0" i="0" u="none" strike="noStrike" kern="1200" cap="none" spc="0" normalizeH="0" baseline="0" noProof="0" dirty="0" smtClean="0">
+                      <a:endParaRPr kumimoji="0" lang="ko-KR" altLang="en-US" sz="1050" b="0" i="0" u="none" strike="noStrike" kern="1200" cap="none" spc="0" normalizeH="0" baseline="0" noProof="0" dirty="0">
                         <a:ln>
                           <a:noFill/>
                         </a:ln>
@@ -35108,7 +34893,7 @@
                         <a:defRPr/>
                       </a:pPr>
                       <a:r>
-                        <a:rPr kumimoji="0" lang="en-US" altLang="ko-KR" sz="1050" b="0" i="0" u="none" strike="noStrike" kern="1200" cap="none" spc="0" normalizeH="0" baseline="0" noProof="0" dirty="0" smtClean="0">
+                        <a:rPr kumimoji="0" lang="en-US" altLang="ko-KR" sz="1050" b="0" i="0" u="none" strike="noStrike" kern="1200" cap="none" spc="0" normalizeH="0" baseline="0" noProof="0" dirty="0">
                           <a:ln>
                             <a:noFill/>
                           </a:ln>
@@ -35128,7 +34913,7 @@
                         <a:t>8. </a:t>
                       </a:r>
                       <a:r>
-                        <a:rPr kumimoji="0" lang="ko-KR" altLang="en-US" sz="1050" b="0" i="0" u="none" strike="noStrike" kern="1200" cap="none" spc="0" normalizeH="0" baseline="0" noProof="0" dirty="0" err="1" smtClean="0">
+                        <a:rPr kumimoji="0" lang="ko-KR" altLang="en-US" sz="1050" b="0" i="0" u="none" strike="noStrike" kern="1200" cap="none" spc="0" normalizeH="0" baseline="0" noProof="0" dirty="0" err="1">
                           <a:ln>
                             <a:noFill/>
                           </a:ln>
@@ -35147,7 +34932,7 @@
                         </a:rPr>
                         <a:t>고저차</a:t>
                       </a:r>
-                      <a:endParaRPr kumimoji="0" lang="ko-KR" altLang="en-US" sz="1050" b="0" i="0" u="none" strike="noStrike" kern="1200" cap="none" spc="0" normalizeH="0" baseline="0" noProof="0" dirty="0" smtClean="0">
+                      <a:endParaRPr kumimoji="0" lang="ko-KR" altLang="en-US" sz="1050" b="0" i="0" u="none" strike="noStrike" kern="1200" cap="none" spc="0" normalizeH="0" baseline="0" noProof="0" dirty="0">
                         <a:ln>
                           <a:noFill/>
                         </a:ln>
@@ -35229,7 +35014,7 @@
                         <a:defRPr/>
                       </a:pPr>
                       <a:r>
-                        <a:rPr kumimoji="0" lang="ko-KR" altLang="en-US" sz="1050" b="0" i="0" u="none" strike="noStrike" kern="1200" cap="none" spc="0" normalizeH="0" baseline="0" noProof="0" dirty="0" err="1" smtClean="0">
+                        <a:rPr kumimoji="0" lang="ko-KR" altLang="en-US" sz="1050" b="0" i="0" u="none" strike="noStrike" kern="1200" cap="none" spc="0" normalizeH="0" baseline="0" noProof="0" dirty="0" err="1">
                           <a:ln>
                             <a:noFill/>
                           </a:ln>
@@ -35249,7 +35034,7 @@
                         <a:t>고저차가</a:t>
                       </a:r>
                       <a:r>
-                        <a:rPr kumimoji="0" lang="ko-KR" altLang="en-US" sz="1050" b="0" i="0" u="none" strike="noStrike" kern="1200" cap="none" spc="0" normalizeH="0" baseline="0" noProof="0" dirty="0" smtClean="0">
+                        <a:rPr kumimoji="0" lang="ko-KR" altLang="en-US" sz="1050" b="0" i="0" u="none" strike="noStrike" kern="1200" cap="none" spc="0" normalizeH="0" baseline="0" noProof="0" dirty="0">
                           <a:ln>
                             <a:noFill/>
                           </a:ln>
@@ -35269,7 +35054,7 @@
                         <a:t> </a:t>
                       </a:r>
                       <a:r>
-                        <a:rPr kumimoji="0" lang="en-US" altLang="ko-KR" sz="1050" b="0" i="0" u="none" strike="noStrike" kern="1200" cap="none" spc="0" normalizeH="0" baseline="0" noProof="0" dirty="0" smtClean="0">
+                        <a:rPr kumimoji="0" lang="en-US" altLang="ko-KR" sz="1050" b="0" i="0" u="none" strike="noStrike" kern="1200" cap="none" spc="0" normalizeH="0" baseline="0" noProof="0" dirty="0">
                           <a:ln>
                             <a:noFill/>
                           </a:ln>
@@ -35289,7 +35074,7 @@
                         <a:t>41 ~ 44</a:t>
                       </a:r>
                       <a:r>
-                        <a:rPr kumimoji="0" lang="ko-KR" altLang="en-US" sz="1050" b="0" i="0" u="none" strike="noStrike" kern="1200" cap="none" spc="0" normalizeH="0" baseline="0" noProof="0" dirty="0" smtClean="0">
+                        <a:rPr kumimoji="0" lang="ko-KR" altLang="en-US" sz="1050" b="0" i="0" u="none" strike="noStrike" kern="1200" cap="none" spc="0" normalizeH="0" baseline="0" noProof="0" dirty="0">
                           <a:ln>
                             <a:noFill/>
                           </a:ln>
@@ -35309,7 +35094,7 @@
                         <a:t>인 조합이 자주 나오도록 확률을 조정하였습니다</a:t>
                       </a:r>
                       <a:r>
-                        <a:rPr kumimoji="0" lang="en-US" altLang="ko-KR" sz="1050" b="0" i="0" u="none" strike="noStrike" kern="1200" cap="none" spc="0" normalizeH="0" baseline="0" noProof="0" dirty="0" smtClean="0">
+                        <a:rPr kumimoji="0" lang="en-US" altLang="ko-KR" sz="1050" b="0" i="0" u="none" strike="noStrike" kern="1200" cap="none" spc="0" normalizeH="0" baseline="0" noProof="0" dirty="0">
                           <a:ln>
                             <a:noFill/>
                           </a:ln>
@@ -35328,7 +35113,7 @@
                         </a:rPr>
                         <a:t>.</a:t>
                       </a:r>
-                      <a:endParaRPr kumimoji="0" lang="ko-KR" altLang="en-US" sz="1050" b="0" i="0" u="none" strike="noStrike" kern="1200" cap="none" spc="0" normalizeH="0" baseline="0" noProof="0" dirty="0" smtClean="0">
+                      <a:endParaRPr kumimoji="0" lang="ko-KR" altLang="en-US" sz="1050" b="0" i="0" u="none" strike="noStrike" kern="1200" cap="none" spc="0" normalizeH="0" baseline="0" noProof="0" dirty="0">
                         <a:ln>
                           <a:noFill/>
                         </a:ln>
@@ -35430,7 +35215,7 @@
               </a:lnSpc>
             </a:pPr>
             <a:r>
-              <a:rPr lang="en-US" altLang="ko-KR" sz="1100" dirty="0" smtClean="0">
+              <a:rPr lang="en-US" altLang="ko-KR" sz="1100" dirty="0">
                 <a:solidFill>
                   <a:srgbClr val="5B6176"/>
                 </a:solidFill>
@@ -35438,7 +35223,7 @@
               <a:t>* </a:t>
             </a:r>
             <a:r>
-              <a:rPr lang="ko-KR" altLang="en-US" sz="1100" dirty="0" smtClean="0">
+              <a:rPr lang="ko-KR" altLang="en-US" sz="1100" dirty="0">
                 <a:solidFill>
                   <a:srgbClr val="5B6176"/>
                 </a:solidFill>
@@ -35453,7 +35238,7 @@
               </a:rPr>
               <a:t>: https://news.joins.com/article/8993945</a:t>
             </a:r>
-            <a:endParaRPr lang="en-US" altLang="ko-KR" sz="1100" b="1" dirty="0" smtClean="0">
+            <a:endParaRPr lang="en-US" altLang="ko-KR" sz="1100" b="1" dirty="0">
               <a:solidFill>
                 <a:srgbClr val="5B6176"/>
               </a:solidFill>
@@ -35471,13 +35256,6 @@
   <p:clrMapOvr>
     <a:masterClrMapping/>
   </p:clrMapOvr>
-  <p:timing>
-    <p:tnLst>
-      <p:par>
-        <p:cTn id="1" dur="indefinite" restart="never" nodeType="tmRoot"/>
-      </p:par>
-    </p:tnLst>
-  </p:timing>
 </p:sld>
 </file>
 
@@ -35682,7 +35460,7 @@
               <a:defRPr/>
             </a:pPr>
             <a:r>
-              <a:rPr lang="en-US" altLang="ko-KR" sz="2000" b="1" i="1" kern="0" dirty="0" err="1" smtClean="0">
+              <a:rPr lang="en-US" altLang="ko-KR" sz="2000" b="1" i="1" kern="0" dirty="0" err="1">
                 <a:solidFill>
                   <a:srgbClr val="5B6176"/>
                 </a:solidFill>
@@ -35690,7 +35468,7 @@
               <a:t>Winform</a:t>
             </a:r>
             <a:r>
-              <a:rPr lang="en-US" altLang="ko-KR" sz="2000" b="1" i="1" kern="0" dirty="0" smtClean="0">
+              <a:rPr lang="en-US" altLang="ko-KR" sz="2000" b="1" i="1" kern="0" dirty="0">
                 <a:solidFill>
                   <a:srgbClr val="5B6176"/>
                 </a:solidFill>
@@ -36238,7 +36016,7 @@
               </a:lnSpc>
             </a:pPr>
             <a:r>
-              <a:rPr lang="ko-KR" altLang="en-US" sz="1400" b="1" dirty="0" smtClean="0">
+              <a:rPr lang="ko-KR" altLang="en-US" sz="1400" b="1" dirty="0">
                 <a:solidFill>
                   <a:srgbClr val="5B6176"/>
                 </a:solidFill>
@@ -36286,7 +36064,7 @@
               </a:lnSpc>
             </a:pPr>
             <a:r>
-              <a:rPr lang="ko-KR" altLang="en-US" sz="1400" b="1" dirty="0" smtClean="0">
+              <a:rPr lang="ko-KR" altLang="en-US" sz="1400" b="1" dirty="0">
                 <a:solidFill>
                   <a:srgbClr val="5B6176"/>
                 </a:solidFill>
@@ -36294,18 +36072,13 @@
               <a:t>추첨</a:t>
             </a:r>
             <a:r>
-              <a:rPr lang="ko-KR" altLang="en-US" sz="900" dirty="0" smtClean="0">
+              <a:rPr lang="ko-KR" altLang="en-US" sz="900" dirty="0">
                 <a:solidFill>
                   <a:srgbClr val="5B6176"/>
                 </a:solidFill>
               </a:rPr>
               <a:t> </a:t>
             </a:r>
-            <a:endParaRPr lang="ko-KR" altLang="en-US" sz="900" dirty="0">
-              <a:solidFill>
-                <a:srgbClr val="5B6176"/>
-              </a:solidFill>
-            </a:endParaRPr>
           </a:p>
         </p:txBody>
       </p:sp>
@@ -36342,7 +36115,7 @@
               </a:lnSpc>
             </a:pPr>
             <a:r>
-              <a:rPr lang="ko-KR" altLang="en-US" sz="1400" b="1" dirty="0" smtClean="0">
+              <a:rPr lang="ko-KR" altLang="en-US" sz="1400" b="1" dirty="0">
                 <a:solidFill>
                   <a:srgbClr val="5B6176"/>
                 </a:solidFill>
@@ -36367,13 +36140,6 @@
   <p:clrMapOvr>
     <a:masterClrMapping/>
   </p:clrMapOvr>
-  <p:timing>
-    <p:tnLst>
-      <p:par>
-        <p:cTn id="1" dur="indefinite" restart="never" nodeType="tmRoot"/>
-      </p:par>
-    </p:tnLst>
-  </p:timing>
 </p:sld>
 </file>
 
@@ -36570,7 +36336,7 @@
               <a:defRPr/>
             </a:pPr>
             <a:r>
-              <a:rPr lang="en-US" altLang="ko-KR" sz="2000" b="1" i="1" kern="0" dirty="0" err="1" smtClean="0">
+              <a:rPr lang="en-US" altLang="ko-KR" sz="2000" b="1" i="1" kern="0" dirty="0" err="1">
                 <a:solidFill>
                   <a:srgbClr val="5B6176"/>
                 </a:solidFill>
@@ -36578,7 +36344,7 @@
               <a:t>Winform</a:t>
             </a:r>
             <a:r>
-              <a:rPr lang="en-US" altLang="ko-KR" sz="2000" b="1" i="1" kern="0" dirty="0" smtClean="0">
+              <a:rPr lang="en-US" altLang="ko-KR" sz="2000" b="1" i="1" kern="0" dirty="0">
                 <a:solidFill>
                   <a:srgbClr val="5B6176"/>
                 </a:solidFill>
@@ -36586,7 +36352,7 @@
               <a:t> - </a:t>
             </a:r>
             <a:r>
-              <a:rPr lang="ko-KR" altLang="en-US" sz="2000" b="1" i="1" kern="0" dirty="0" smtClean="0">
+              <a:rPr lang="ko-KR" altLang="en-US" sz="2000" b="1" i="1" kern="0" dirty="0">
                 <a:solidFill>
                   <a:srgbClr val="5B6176"/>
                 </a:solidFill>
@@ -37029,18 +36795,10 @@
                   <a:schemeClr val="bg1"/>
                 </a:solidFill>
               </a:rPr>
-              <a:t>툴</a:t>
+              <a:t>툴팁</a:t>
             </a:r>
             <a:r>
-              <a:rPr lang="ko-KR" altLang="en-US" b="1" dirty="0" err="1" smtClean="0">
-                <a:solidFill>
-                  <a:schemeClr val="bg1"/>
-                </a:solidFill>
-              </a:rPr>
-              <a:t>팁</a:t>
-            </a:r>
-            <a:r>
-              <a:rPr lang="en-US" altLang="ko-KR" b="1" dirty="0" smtClean="0">
+              <a:rPr lang="en-US" altLang="ko-KR" b="1" dirty="0">
                 <a:solidFill>
                   <a:schemeClr val="bg1"/>
                 </a:solidFill>
@@ -37048,14 +36806,14 @@
               <a:t>, </a:t>
             </a:r>
             <a:r>
-              <a:rPr lang="ko-KR" altLang="en-US" b="1" dirty="0" smtClean="0">
+              <a:rPr lang="ko-KR" altLang="en-US" b="1" dirty="0">
                 <a:solidFill>
                   <a:schemeClr val="bg1"/>
                 </a:solidFill>
               </a:rPr>
               <a:t>링크 연결</a:t>
             </a:r>
-            <a:endParaRPr lang="en-US" altLang="ko-KR" b="1" dirty="0" smtClean="0">
+            <a:endParaRPr lang="en-US" altLang="ko-KR" b="1" dirty="0">
               <a:solidFill>
                 <a:schemeClr val="bg1"/>
               </a:solidFill>
@@ -37176,14 +36934,14 @@
           <a:p>
             <a:pPr algn="ctr"/>
             <a:r>
-              <a:rPr lang="ko-KR" altLang="en-US" b="1" dirty="0" smtClean="0">
+              <a:rPr lang="ko-KR" altLang="en-US" b="1" dirty="0">
                 <a:solidFill>
                   <a:schemeClr val="bg1"/>
                 </a:solidFill>
               </a:rPr>
               <a:t>추첨 화면 연결</a:t>
             </a:r>
-            <a:endParaRPr lang="en-US" altLang="ko-KR" b="1" dirty="0" smtClean="0">
+            <a:endParaRPr lang="en-US" altLang="ko-KR" b="1" dirty="0">
               <a:solidFill>
                 <a:schemeClr val="bg1"/>
               </a:solidFill>
@@ -37355,14 +37113,14 @@
           <a:p>
             <a:pPr algn="ctr"/>
             <a:r>
-              <a:rPr lang="ko-KR" altLang="en-US" b="1" dirty="0" smtClean="0">
+              <a:rPr lang="ko-KR" altLang="en-US" b="1" dirty="0">
                 <a:solidFill>
                   <a:schemeClr val="bg1"/>
                 </a:solidFill>
               </a:rPr>
               <a:t>시스템 종료 문구</a:t>
             </a:r>
-            <a:endParaRPr lang="en-US" altLang="ko-KR" b="1" dirty="0" smtClean="0">
+            <a:endParaRPr lang="en-US" altLang="ko-KR" b="1" dirty="0">
               <a:solidFill>
                 <a:schemeClr val="bg1"/>
               </a:solidFill>
@@ -37543,7 +37301,7 @@
               </a:lnSpc>
             </a:pPr>
             <a:r>
-              <a:rPr lang="ko-KR" altLang="en-US" sz="1400" b="1" dirty="0" smtClean="0">
+              <a:rPr lang="ko-KR" altLang="en-US" sz="1400" b="1" dirty="0">
                 <a:solidFill>
                   <a:srgbClr val="5B6176"/>
                 </a:solidFill>
@@ -37568,13 +37326,6 @@
   <p:clrMapOvr>
     <a:masterClrMapping/>
   </p:clrMapOvr>
-  <p:timing>
-    <p:tnLst>
-      <p:par>
-        <p:cTn id="1" dur="indefinite" restart="never" nodeType="tmRoot"/>
-      </p:par>
-    </p:tnLst>
-  </p:timing>
 </p:sld>
 </file>
 
@@ -37771,7 +37522,7 @@
               <a:defRPr/>
             </a:pPr>
             <a:r>
-              <a:rPr lang="en-US" altLang="ko-KR" sz="2000" b="1" i="1" kern="0" dirty="0" err="1" smtClean="0">
+              <a:rPr lang="en-US" altLang="ko-KR" sz="2000" b="1" i="1" kern="0" dirty="0" err="1">
                 <a:solidFill>
                   <a:srgbClr val="5B6176"/>
                 </a:solidFill>
@@ -37779,7 +37530,7 @@
               <a:t>Winform</a:t>
             </a:r>
             <a:r>
-              <a:rPr lang="en-US" altLang="ko-KR" sz="2000" b="1" i="1" kern="0" dirty="0" smtClean="0">
+              <a:rPr lang="en-US" altLang="ko-KR" sz="2000" b="1" i="1" kern="0" dirty="0">
                 <a:solidFill>
                   <a:srgbClr val="5B6176"/>
                 </a:solidFill>
@@ -37787,20 +37538,12 @@
               <a:t> - </a:t>
             </a:r>
             <a:r>
-              <a:rPr lang="ko-KR" altLang="en-US" sz="2000" b="1" i="1" kern="0" dirty="0" smtClean="0">
-                <a:solidFill>
-                  <a:srgbClr val="5B6176"/>
-                </a:solidFill>
-              </a:rPr>
-              <a:t>디자</a:t>
-            </a:r>
-            <a:r>
               <a:rPr lang="ko-KR" altLang="en-US" sz="2000" b="1" i="1" kern="0" dirty="0">
                 <a:solidFill>
                   <a:srgbClr val="5B6176"/>
                 </a:solidFill>
               </a:rPr>
-              <a:t>인</a:t>
+              <a:t>디자인</a:t>
             </a:r>
             <a:endParaRPr lang="ko-KR" altLang="en-US" sz="4800" kern="0" dirty="0">
               <a:solidFill>
@@ -38293,14 +38036,14 @@
           <a:p>
             <a:pPr algn="ctr"/>
             <a:r>
-              <a:rPr lang="ko-KR" altLang="en-US" b="1" dirty="0" smtClean="0">
+              <a:rPr lang="ko-KR" altLang="en-US" b="1" dirty="0">
                 <a:solidFill>
                   <a:schemeClr val="bg1"/>
                 </a:solidFill>
               </a:rPr>
               <a:t>번호 출력 박스</a:t>
             </a:r>
-            <a:endParaRPr lang="en-US" altLang="ko-KR" b="1" dirty="0" smtClean="0">
+            <a:endParaRPr lang="en-US" altLang="ko-KR" b="1" dirty="0">
               <a:solidFill>
                 <a:schemeClr val="bg1"/>
               </a:solidFill>
@@ -38502,7 +38245,7 @@
           <a:p>
             <a:pPr algn="ctr"/>
             <a:r>
-              <a:rPr lang="ko-KR" altLang="en-US" b="1" dirty="0" smtClean="0">
+              <a:rPr lang="ko-KR" altLang="en-US" b="1" dirty="0">
                 <a:solidFill>
                   <a:schemeClr val="bg1"/>
                 </a:solidFill>
@@ -38728,7 +38471,7 @@
               </a:lnSpc>
             </a:pPr>
             <a:r>
-              <a:rPr lang="ko-KR" altLang="en-US" sz="1400" b="1" dirty="0" smtClean="0">
+              <a:rPr lang="ko-KR" altLang="en-US" sz="1400" b="1" dirty="0">
                 <a:solidFill>
                   <a:srgbClr val="5B6176"/>
                 </a:solidFill>
@@ -38753,13 +38496,6 @@
   <p:clrMapOvr>
     <a:masterClrMapping/>
   </p:clrMapOvr>
-  <p:timing>
-    <p:tnLst>
-      <p:par>
-        <p:cTn id="1" dur="indefinite" restart="never" nodeType="tmRoot"/>
-      </p:par>
-    </p:tnLst>
-  </p:timing>
 </p:sld>
 </file>
 
@@ -38956,7 +38692,7 @@
               <a:defRPr/>
             </a:pPr>
             <a:r>
-              <a:rPr lang="en-US" altLang="ko-KR" sz="2000" b="1" i="1" kern="0" dirty="0" err="1" smtClean="0">
+              <a:rPr lang="en-US" altLang="ko-KR" sz="2000" b="1" i="1" kern="0" dirty="0" err="1">
                 <a:solidFill>
                   <a:srgbClr val="5B6176"/>
                 </a:solidFill>
@@ -38964,7 +38700,7 @@
               <a:t>Winform</a:t>
             </a:r>
             <a:r>
-              <a:rPr lang="en-US" altLang="ko-KR" sz="2000" b="1" i="1" kern="0" dirty="0" smtClean="0">
+              <a:rPr lang="en-US" altLang="ko-KR" sz="2000" b="1" i="1" kern="0" dirty="0">
                 <a:solidFill>
                   <a:srgbClr val="5B6176"/>
                 </a:solidFill>
@@ -38972,20 +38708,12 @@
               <a:t> - </a:t>
             </a:r>
             <a:r>
-              <a:rPr lang="ko-KR" altLang="en-US" sz="2000" b="1" i="1" kern="0" dirty="0" smtClean="0">
-                <a:solidFill>
-                  <a:srgbClr val="5B6176"/>
-                </a:solidFill>
-              </a:rPr>
-              <a:t>디자</a:t>
-            </a:r>
-            <a:r>
               <a:rPr lang="ko-KR" altLang="en-US" sz="2000" b="1" i="1" kern="0" dirty="0">
                 <a:solidFill>
                   <a:srgbClr val="5B6176"/>
                 </a:solidFill>
               </a:rPr>
-              <a:t>인</a:t>
+              <a:t>디자인</a:t>
             </a:r>
             <a:endParaRPr lang="ko-KR" altLang="en-US" sz="4800" kern="0" dirty="0">
               <a:solidFill>
@@ -39388,14 +39116,14 @@
           <a:p>
             <a:pPr algn="ctr"/>
             <a:r>
-              <a:rPr lang="ko-KR" altLang="en-US" b="1" dirty="0" smtClean="0">
+              <a:rPr lang="ko-KR" altLang="en-US" b="1" dirty="0">
                 <a:solidFill>
                   <a:schemeClr val="bg1"/>
                 </a:solidFill>
               </a:rPr>
               <a:t>엑셀 시트 출력</a:t>
             </a:r>
-            <a:endParaRPr lang="en-US" altLang="ko-KR" b="1" dirty="0" smtClean="0">
+            <a:endParaRPr lang="en-US" altLang="ko-KR" b="1" dirty="0">
               <a:solidFill>
                 <a:schemeClr val="bg1"/>
               </a:solidFill>
@@ -39478,14 +39206,14 @@
           <a:p>
             <a:pPr algn="ctr"/>
             <a:r>
-              <a:rPr lang="ko-KR" altLang="en-US" b="1" dirty="0" smtClean="0">
+              <a:rPr lang="ko-KR" altLang="en-US" b="1" dirty="0">
                 <a:solidFill>
                   <a:schemeClr val="bg1"/>
                 </a:solidFill>
               </a:rPr>
               <a:t>엑셀 불러오기</a:t>
             </a:r>
-            <a:endParaRPr lang="en-US" altLang="ko-KR" b="1" dirty="0" smtClean="0">
+            <a:endParaRPr lang="en-US" altLang="ko-KR" b="1" dirty="0">
               <a:solidFill>
                 <a:schemeClr val="bg1"/>
               </a:solidFill>
@@ -39865,14 +39593,14 @@
           <a:p>
             <a:pPr algn="ctr"/>
             <a:r>
-              <a:rPr lang="ko-KR" altLang="en-US" b="1" dirty="0" smtClean="0">
+              <a:rPr lang="ko-KR" altLang="en-US" b="1" dirty="0">
                 <a:solidFill>
                   <a:schemeClr val="bg1"/>
                 </a:solidFill>
               </a:rPr>
               <a:t>링크 연결</a:t>
             </a:r>
-            <a:endParaRPr lang="en-US" altLang="ko-KR" b="1" dirty="0" smtClean="0">
+            <a:endParaRPr lang="en-US" altLang="ko-KR" b="1" dirty="0">
               <a:solidFill>
                 <a:schemeClr val="bg1"/>
               </a:solidFill>
@@ -39913,20 +39641,12 @@
               </a:lnSpc>
             </a:pPr>
             <a:r>
-              <a:rPr lang="ko-KR" altLang="en-US" sz="1400" b="1" dirty="0" smtClean="0">
-                <a:solidFill>
-                  <a:srgbClr val="5B6176"/>
-                </a:solidFill>
-              </a:rPr>
-              <a:t>조</a:t>
-            </a:r>
-            <a:r>
               <a:rPr lang="ko-KR" altLang="en-US" sz="1400" b="1" dirty="0">
                 <a:solidFill>
                   <a:srgbClr val="5B6176"/>
                 </a:solidFill>
               </a:rPr>
-              <a:t>회</a:t>
+              <a:t>조회</a:t>
             </a:r>
             <a:endParaRPr lang="en-US" altLang="ko-KR" sz="1400" b="1" dirty="0">
               <a:solidFill>
@@ -39946,13 +39666,6 @@
   <p:clrMapOvr>
     <a:masterClrMapping/>
   </p:clrMapOvr>
-  <p:timing>
-    <p:tnLst>
-      <p:par>
-        <p:cTn id="1" dur="indefinite" restart="never" nodeType="tmRoot"/>
-      </p:par>
-    </p:tnLst>
-  </p:timing>
 </p:sld>
 </file>
 
